--- a/Microsoft office.pptx
+++ b/Microsoft office.pptx
@@ -10367,6 +10367,18 @@
   <p:clrMapOvr>
     <a:masterClrMapping/>
   </p:clrMapOvr>
+  <mc:AlternateContent xmlns:mc="http://schemas.openxmlformats.org/markup-compatibility/2006">
+    <mc:Choice xmlns:p14="http://schemas.microsoft.com/office/powerpoint/2010/main" Requires="p14">
+      <p:transition spd="slow" p14:dur="1500">
+        <p:split orient="vert"/>
+      </p:transition>
+    </mc:Choice>
+    <mc:Fallback>
+      <p:transition spd="slow">
+        <p:split orient="vert"/>
+      </p:transition>
+    </mc:Fallback>
+  </mc:AlternateContent>
   <p:timing>
     <p:tnLst>
       <p:par>
@@ -10700,10 +10712,14 @@
   </p:clrMapOvr>
   <mc:AlternateContent xmlns:mc="http://schemas.openxmlformats.org/markup-compatibility/2006">
     <mc:Choice xmlns:p14="http://schemas.microsoft.com/office/powerpoint/2010/main" Requires="p14">
-      <p:transition p14:dur="10"/>
+      <p:transition spd="slow" p14:dur="3400">
+        <p14:reveal/>
+      </p:transition>
     </mc:Choice>
     <mc:Fallback>
-      <p:transition/>
+      <p:transition spd="slow">
+        <p:fade/>
+      </p:transition>
     </mc:Fallback>
   </mc:AlternateContent>
   <p:timing>
@@ -11138,6 +11154,18 @@
   <p:clrMapOvr>
     <a:masterClrMapping/>
   </p:clrMapOvr>
+  <mc:AlternateContent xmlns:mc="http://schemas.openxmlformats.org/markup-compatibility/2006">
+    <mc:Choice xmlns:p14="http://schemas.microsoft.com/office/powerpoint/2010/main" Requires="p14">
+      <p:transition spd="med" p14:dur="700">
+        <p:fade/>
+      </p:transition>
+    </mc:Choice>
+    <mc:Fallback>
+      <p:transition spd="med">
+        <p:fade/>
+      </p:transition>
+    </mc:Fallback>
+  </mc:AlternateContent>
   <p:timing>
     <p:tnLst>
       <p:par>
@@ -11606,6 +11634,9 @@
   <p:clrMapOvr>
     <a:masterClrMapping/>
   </p:clrMapOvr>
+  <p:transition spd="slow">
+    <p:cover/>
+  </p:transition>
   <p:timing>
     <p:tnLst>
       <p:par>
@@ -12248,6 +12279,9 @@
   <p:clrMapOvr>
     <a:masterClrMapping/>
   </p:clrMapOvr>
+  <p:transition spd="slow">
+    <p:push dir="u"/>
+  </p:transition>
   <p:timing>
     <p:tnLst>
       <p:par>
@@ -12321,40 +12355,22 @@
           <a:prstGeom prst="rect">
             <a:avLst/>
           </a:prstGeom>
-          <a:noFill/>
-          <a:ln>
-            <a:noFill/>
-          </a:ln>
-          <a:effectLst/>
-          <a:extLst>
-            <a:ext uri="{909E8E84-426E-40DD-AFC4-6F175D3DCCD1}">
-              <a14:hiddenFill xmlns:a14="http://schemas.microsoft.com/office/drawing/2010/main">
-                <a:solidFill>
-                  <a:schemeClr val="accent1"/>
-                </a:solidFill>
-              </a14:hiddenFill>
-            </a:ext>
-            <a:ext uri="{91240B29-F687-4F45-9708-019B960494DF}">
-              <a14:hiddenLine xmlns:a14="http://schemas.microsoft.com/office/drawing/2010/main" w="9525">
-                <a:solidFill>
-                  <a:schemeClr val="tx1"/>
-                </a:solidFill>
-                <a:miter lim="800000"/>
-                <a:headEnd/>
-                <a:tailEnd/>
-              </a14:hiddenLine>
-            </a:ext>
-            <a:ext uri="{AF507438-7753-43E0-B8FC-AC1667EBCBE1}">
-              <a14:hiddenEffects xmlns:a14="http://schemas.microsoft.com/office/drawing/2010/main">
-                <a:effectLst>
-                  <a:outerShdw dist="35921" dir="2700000" algn="ctr" rotWithShape="0">
-                    <a:schemeClr val="bg2"/>
-                  </a:outerShdw>
-                </a:effectLst>
-              </a14:hiddenEffects>
-            </a:ext>
-          </a:extLst>
+          <a:ln/>
         </p:spPr>
+        <p:style>
+          <a:lnRef idx="1">
+            <a:schemeClr val="accent2"/>
+          </a:lnRef>
+          <a:fillRef idx="2">
+            <a:schemeClr val="accent2"/>
+          </a:fillRef>
+          <a:effectRef idx="1">
+            <a:schemeClr val="accent2"/>
+          </a:effectRef>
+          <a:fontRef idx="minor">
+            <a:schemeClr val="dk1"/>
+          </a:fontRef>
+        </p:style>
         <p:txBody>
           <a:bodyPr vert="horz" wrap="square" lIns="91440" tIns="45720" rIns="91440" bIns="45720" numCol="1" anchor="ctr" anchorCtr="0" compatLnSpc="1">
             <a:prstTxWarp prst="textNoShape">
@@ -12605,6 +12621,18 @@
   <p:clrMapOvr>
     <a:masterClrMapping/>
   </p:clrMapOvr>
+  <mc:AlternateContent xmlns:mc="http://schemas.openxmlformats.org/markup-compatibility/2006">
+    <mc:Choice xmlns:p14="http://schemas.microsoft.com/office/powerpoint/2010/main" Requires="p14">
+      <p:transition spd="slow" p14:dur="800">
+        <p:circle/>
+      </p:transition>
+    </mc:Choice>
+    <mc:Fallback>
+      <p:transition spd="slow">
+        <p:circle/>
+      </p:transition>
+    </mc:Fallback>
+  </mc:AlternateContent>
   <p:timing>
     <p:tnLst>
       <p:par>
@@ -12691,6 +12719,18 @@
   <p:clrMapOvr>
     <a:masterClrMapping/>
   </p:clrMapOvr>
+  <mc:AlternateContent xmlns:mc="http://schemas.openxmlformats.org/markup-compatibility/2006">
+    <mc:Choice xmlns:p14="http://schemas.microsoft.com/office/powerpoint/2010/main" Requires="p14">
+      <p:transition spd="slow">
+        <p14:flash/>
+      </p:transition>
+    </mc:Choice>
+    <mc:Fallback>
+      <p:transition spd="slow">
+        <p:fade/>
+      </p:transition>
+    </mc:Fallback>
+  </mc:AlternateContent>
   <p:timing>
     <p:tnLst>
       <p:par>
@@ -12882,6 +12922,18 @@
   <p:clrMapOvr>
     <a:masterClrMapping/>
   </p:clrMapOvr>
+  <mc:AlternateContent xmlns:mc="http://schemas.openxmlformats.org/markup-compatibility/2006">
+    <mc:Choice xmlns:p14="http://schemas.microsoft.com/office/powerpoint/2010/main" Requires="p14">
+      <p:transition spd="slow" p14:dur="1500">
+        <p:random/>
+      </p:transition>
+    </mc:Choice>
+    <mc:Fallback>
+      <p:transition spd="slow">
+        <p:random/>
+      </p:transition>
+    </mc:Fallback>
+  </mc:AlternateContent>
   <p:timing>
     <p:tnLst>
       <p:par>

--- a/Microsoft office.pptx
+++ b/Microsoft office.pptx
@@ -4,16 +4,17 @@
   <p:sldMasterIdLst>
     <p:sldMasterId id="2147483749" r:id="rId1"/>
     <p:sldMasterId id="2147483761" r:id="rId2"/>
+    <p:sldMasterId id="2147483773" r:id="rId3"/>
   </p:sldMasterIdLst>
   <p:sldIdLst>
-    <p:sldId id="256" r:id="rId3"/>
-    <p:sldId id="257" r:id="rId4"/>
-    <p:sldId id="258" r:id="rId5"/>
-    <p:sldId id="259" r:id="rId6"/>
-    <p:sldId id="260" r:id="rId7"/>
-    <p:sldId id="261" r:id="rId8"/>
-    <p:sldId id="262" r:id="rId9"/>
-    <p:sldId id="263" r:id="rId10"/>
+    <p:sldId id="256" r:id="rId4"/>
+    <p:sldId id="257" r:id="rId5"/>
+    <p:sldId id="258" r:id="rId6"/>
+    <p:sldId id="259" r:id="rId7"/>
+    <p:sldId id="260" r:id="rId8"/>
+    <p:sldId id="261" r:id="rId9"/>
+    <p:sldId id="262" r:id="rId10"/>
+    <p:sldId id="263" r:id="rId11"/>
   </p:sldIdLst>
   <p:sldSz cx="12192000" cy="6858000"/>
   <p:notesSz cx="6858000" cy="9144000"/>
@@ -7270,6 +7271,1491 @@
 </p:sldLayout>
 </file>
 
+<file path=ppt/slideLayouts/slideLayout23.xml><?xml version="1.0" encoding="utf-8"?>
+<p:sldLayout xmlns:a="http://schemas.openxmlformats.org/drawingml/2006/main" xmlns:r="http://schemas.openxmlformats.org/officeDocument/2006/relationships" xmlns:p="http://schemas.openxmlformats.org/presentationml/2006/main" type="title" preserve="1">
+  <p:cSld name="Титульный слайд">
+    <p:bg>
+      <p:bgPr>
+        <a:solidFill>
+          <a:schemeClr val="accent2"/>
+        </a:solidFill>
+        <a:effectLst/>
+      </p:bgPr>
+    </p:bg>
+    <p:spTree>
+      <p:nvGrpSpPr>
+        <p:cNvPr id="1" name=""/>
+        <p:cNvGrpSpPr/>
+        <p:nvPr/>
+      </p:nvGrpSpPr>
+      <p:grpSpPr>
+        <a:xfrm>
+          <a:off x="0" y="0"/>
+          <a:ext cx="0" cy="0"/>
+          <a:chOff x="0" y="0"/>
+          <a:chExt cx="0" cy="0"/>
+        </a:xfrm>
+      </p:grpSpPr>
+      <p:sp>
+        <p:nvSpPr>
+          <p:cNvPr id="2" name="Title 1"/>
+          <p:cNvSpPr>
+            <a:spLocks noGrp="1"/>
+          </p:cNvSpPr>
+          <p:nvPr>
+            <p:ph type="ctrTitle"/>
+          </p:nvPr>
+        </p:nvSpPr>
+        <p:spPr>
+          <a:xfrm>
+            <a:off x="1600200" y="2386744"/>
+            <a:ext cx="8991600" cy="1645920"/>
+          </a:xfrm>
+          <a:solidFill>
+            <a:srgbClr val="FFFFFF"/>
+          </a:solidFill>
+          <a:ln w="38100">
+            <a:solidFill>
+              <a:srgbClr val="404040"/>
+            </a:solidFill>
+          </a:ln>
+        </p:spPr>
+        <p:txBody>
+          <a:bodyPr lIns="274320" rIns="274320" anchor="ctr" anchorCtr="1">
+            <a:normAutofit/>
+          </a:bodyPr>
+          <a:lstStyle>
+            <a:lvl1pPr algn="ctr">
+              <a:defRPr sz="3800">
+                <a:solidFill>
+                  <a:srgbClr val="262626"/>
+                </a:solidFill>
+              </a:defRPr>
+            </a:lvl1pPr>
+          </a:lstStyle>
+          <a:p>
+            <a:r>
+              <a:rPr lang="ru-RU" smtClean="0"/>
+              <a:t>Образец заголовка</a:t>
+            </a:r>
+            <a:endParaRPr lang="en-US" dirty="0"/>
+          </a:p>
+        </p:txBody>
+      </p:sp>
+      <p:sp>
+        <p:nvSpPr>
+          <p:cNvPr id="3" name="Subtitle 2"/>
+          <p:cNvSpPr>
+            <a:spLocks noGrp="1"/>
+          </p:cNvSpPr>
+          <p:nvPr>
+            <p:ph type="subTitle" idx="1"/>
+          </p:nvPr>
+        </p:nvSpPr>
+        <p:spPr>
+          <a:xfrm>
+            <a:off x="2695194" y="4352544"/>
+            <a:ext cx="6801612" cy="1239894"/>
+          </a:xfrm>
+          <a:noFill/>
+        </p:spPr>
+        <p:txBody>
+          <a:bodyPr>
+            <a:normAutofit/>
+          </a:bodyPr>
+          <a:lstStyle>
+            <a:lvl1pPr marL="0" indent="0" algn="ctr">
+              <a:buNone/>
+              <a:defRPr sz="2000">
+                <a:solidFill>
+                  <a:schemeClr val="tx1">
+                    <a:lumMod val="75000"/>
+                    <a:lumOff val="25000"/>
+                  </a:schemeClr>
+                </a:solidFill>
+              </a:defRPr>
+            </a:lvl1pPr>
+            <a:lvl2pPr marL="457200" indent="0" algn="ctr">
+              <a:buNone/>
+              <a:defRPr sz="2000"/>
+            </a:lvl2pPr>
+            <a:lvl3pPr marL="914400" indent="0" algn="ctr">
+              <a:buNone/>
+              <a:defRPr sz="1800"/>
+            </a:lvl3pPr>
+            <a:lvl4pPr marL="1371600" indent="0" algn="ctr">
+              <a:buNone/>
+              <a:defRPr sz="1600"/>
+            </a:lvl4pPr>
+            <a:lvl5pPr marL="1828800" indent="0" algn="ctr">
+              <a:buNone/>
+              <a:defRPr sz="1600"/>
+            </a:lvl5pPr>
+            <a:lvl6pPr marL="2286000" indent="0" algn="ctr">
+              <a:buNone/>
+              <a:defRPr sz="1600"/>
+            </a:lvl6pPr>
+            <a:lvl7pPr marL="2743200" indent="0" algn="ctr">
+              <a:buNone/>
+              <a:defRPr sz="1600"/>
+            </a:lvl7pPr>
+            <a:lvl8pPr marL="3200400" indent="0" algn="ctr">
+              <a:buNone/>
+              <a:defRPr sz="1600"/>
+            </a:lvl8pPr>
+            <a:lvl9pPr marL="3657600" indent="0" algn="ctr">
+              <a:buNone/>
+              <a:defRPr sz="1600"/>
+            </a:lvl9pPr>
+          </a:lstStyle>
+          <a:p>
+            <a:r>
+              <a:rPr lang="ru-RU" smtClean="0"/>
+              <a:t>Образец подзаголовка</a:t>
+            </a:r>
+            <a:endParaRPr lang="en-US" dirty="0"/>
+          </a:p>
+        </p:txBody>
+      </p:sp>
+      <p:sp>
+        <p:nvSpPr>
+          <p:cNvPr id="7" name="Date Placeholder 6"/>
+          <p:cNvSpPr>
+            <a:spLocks noGrp="1"/>
+          </p:cNvSpPr>
+          <p:nvPr>
+            <p:ph type="dt" sz="half" idx="10"/>
+          </p:nvPr>
+        </p:nvSpPr>
+        <p:spPr/>
+        <p:txBody>
+          <a:bodyPr/>
+          <a:lstStyle/>
+          <a:p>
+            <a:fld id="{35D37C0B-111D-4CEC-9674-9C198D2E94E7}" type="datetimeFigureOut">
+              <a:rPr lang="ru-RU" smtClean="0"/>
+              <a:t>18.02.2025</a:t>
+            </a:fld>
+            <a:endParaRPr lang="ru-RU"/>
+          </a:p>
+        </p:txBody>
+      </p:sp>
+      <p:sp>
+        <p:nvSpPr>
+          <p:cNvPr id="8" name="Footer Placeholder 7"/>
+          <p:cNvSpPr>
+            <a:spLocks noGrp="1"/>
+          </p:cNvSpPr>
+          <p:nvPr>
+            <p:ph type="ftr" sz="quarter" idx="11"/>
+          </p:nvPr>
+        </p:nvSpPr>
+        <p:spPr/>
+        <p:txBody>
+          <a:bodyPr/>
+          <a:lstStyle/>
+          <a:p>
+            <a:endParaRPr lang="ru-RU"/>
+          </a:p>
+        </p:txBody>
+      </p:sp>
+      <p:sp>
+        <p:nvSpPr>
+          <p:cNvPr id="9" name="Slide Number Placeholder 8"/>
+          <p:cNvSpPr>
+            <a:spLocks noGrp="1"/>
+          </p:cNvSpPr>
+          <p:nvPr>
+            <p:ph type="sldNum" sz="quarter" idx="12"/>
+          </p:nvPr>
+        </p:nvSpPr>
+        <p:spPr/>
+        <p:txBody>
+          <a:bodyPr/>
+          <a:lstStyle/>
+          <a:p>
+            <a:fld id="{14F592FB-272A-4C2F-8F00-FF7E2BA78CD7}" type="slidenum">
+              <a:rPr lang="ru-RU" smtClean="0"/>
+              <a:t>‹#›</a:t>
+            </a:fld>
+            <a:endParaRPr lang="ru-RU"/>
+          </a:p>
+        </p:txBody>
+      </p:sp>
+    </p:spTree>
+    <p:extLst>
+      <p:ext uri="{BB962C8B-B14F-4D97-AF65-F5344CB8AC3E}">
+        <p14:creationId xmlns:p14="http://schemas.microsoft.com/office/powerpoint/2010/main" val="3113384259"/>
+      </p:ext>
+    </p:extLst>
+  </p:cSld>
+  <p:clrMapOvr>
+    <a:overrideClrMapping bg1="dk1" tx1="lt1" bg2="dk2" tx2="lt2" accent1="accent1" accent2="accent2" accent3="accent3" accent4="accent4" accent5="accent5" accent6="accent6" hlink="hlink" folHlink="folHlink"/>
+  </p:clrMapOvr>
+</p:sldLayout>
+</file>
+
+<file path=ppt/slideLayouts/slideLayout24.xml><?xml version="1.0" encoding="utf-8"?>
+<p:sldLayout xmlns:a="http://schemas.openxmlformats.org/drawingml/2006/main" xmlns:r="http://schemas.openxmlformats.org/officeDocument/2006/relationships" xmlns:p="http://schemas.openxmlformats.org/presentationml/2006/main" type="obj" preserve="1">
+  <p:cSld name="Заголовок и объект">
+    <p:spTree>
+      <p:nvGrpSpPr>
+        <p:cNvPr id="1" name=""/>
+        <p:cNvGrpSpPr/>
+        <p:nvPr/>
+      </p:nvGrpSpPr>
+      <p:grpSpPr>
+        <a:xfrm>
+          <a:off x="0" y="0"/>
+          <a:ext cx="0" cy="0"/>
+          <a:chOff x="0" y="0"/>
+          <a:chExt cx="0" cy="0"/>
+        </a:xfrm>
+      </p:grpSpPr>
+      <p:sp>
+        <p:nvSpPr>
+          <p:cNvPr id="2" name="Title 1"/>
+          <p:cNvSpPr>
+            <a:spLocks noGrp="1"/>
+          </p:cNvSpPr>
+          <p:nvPr>
+            <p:ph type="title"/>
+          </p:nvPr>
+        </p:nvSpPr>
+        <p:spPr/>
+        <p:txBody>
+          <a:bodyPr/>
+          <a:lstStyle/>
+          <a:p>
+            <a:r>
+              <a:rPr lang="ru-RU" smtClean="0"/>
+              <a:t>Образец заголовка</a:t>
+            </a:r>
+            <a:endParaRPr lang="en-US" dirty="0"/>
+          </a:p>
+        </p:txBody>
+      </p:sp>
+      <p:sp>
+        <p:nvSpPr>
+          <p:cNvPr id="3" name="Content Placeholder 2"/>
+          <p:cNvSpPr>
+            <a:spLocks noGrp="1"/>
+          </p:cNvSpPr>
+          <p:nvPr>
+            <p:ph idx="1"/>
+          </p:nvPr>
+        </p:nvSpPr>
+        <p:spPr/>
+        <p:txBody>
+          <a:bodyPr/>
+          <a:lstStyle/>
+          <a:p>
+            <a:pPr lvl="0"/>
+            <a:r>
+              <a:rPr lang="ru-RU" smtClean="0"/>
+              <a:t>Образец текста</a:t>
+            </a:r>
+          </a:p>
+          <a:p>
+            <a:pPr lvl="1"/>
+            <a:r>
+              <a:rPr lang="ru-RU" smtClean="0"/>
+              <a:t>Второй уровень</a:t>
+            </a:r>
+          </a:p>
+          <a:p>
+            <a:pPr lvl="2"/>
+            <a:r>
+              <a:rPr lang="ru-RU" smtClean="0"/>
+              <a:t>Третий уровень</a:t>
+            </a:r>
+          </a:p>
+          <a:p>
+            <a:pPr lvl="3"/>
+            <a:r>
+              <a:rPr lang="ru-RU" smtClean="0"/>
+              <a:t>Четвертый уровень</a:t>
+            </a:r>
+          </a:p>
+          <a:p>
+            <a:pPr lvl="4"/>
+            <a:r>
+              <a:rPr lang="ru-RU" smtClean="0"/>
+              <a:t>Пятый уровень</a:t>
+            </a:r>
+            <a:endParaRPr lang="en-US" dirty="0"/>
+          </a:p>
+        </p:txBody>
+      </p:sp>
+      <p:sp>
+        <p:nvSpPr>
+          <p:cNvPr id="7" name="Date Placeholder 6"/>
+          <p:cNvSpPr>
+            <a:spLocks noGrp="1"/>
+          </p:cNvSpPr>
+          <p:nvPr>
+            <p:ph type="dt" sz="half" idx="10"/>
+          </p:nvPr>
+        </p:nvSpPr>
+        <p:spPr/>
+        <p:txBody>
+          <a:bodyPr/>
+          <a:lstStyle/>
+          <a:p>
+            <a:fld id="{35D37C0B-111D-4CEC-9674-9C198D2E94E7}" type="datetimeFigureOut">
+              <a:rPr lang="ru-RU" smtClean="0"/>
+              <a:t>18.02.2025</a:t>
+            </a:fld>
+            <a:endParaRPr lang="ru-RU"/>
+          </a:p>
+        </p:txBody>
+      </p:sp>
+      <p:sp>
+        <p:nvSpPr>
+          <p:cNvPr id="8" name="Footer Placeholder 7"/>
+          <p:cNvSpPr>
+            <a:spLocks noGrp="1"/>
+          </p:cNvSpPr>
+          <p:nvPr>
+            <p:ph type="ftr" sz="quarter" idx="11"/>
+          </p:nvPr>
+        </p:nvSpPr>
+        <p:spPr/>
+        <p:txBody>
+          <a:bodyPr/>
+          <a:lstStyle/>
+          <a:p>
+            <a:endParaRPr lang="ru-RU"/>
+          </a:p>
+        </p:txBody>
+      </p:sp>
+      <p:sp>
+        <p:nvSpPr>
+          <p:cNvPr id="9" name="Slide Number Placeholder 8"/>
+          <p:cNvSpPr>
+            <a:spLocks noGrp="1"/>
+          </p:cNvSpPr>
+          <p:nvPr>
+            <p:ph type="sldNum" sz="quarter" idx="12"/>
+          </p:nvPr>
+        </p:nvSpPr>
+        <p:spPr/>
+        <p:txBody>
+          <a:bodyPr/>
+          <a:lstStyle/>
+          <a:p>
+            <a:fld id="{14F592FB-272A-4C2F-8F00-FF7E2BA78CD7}" type="slidenum">
+              <a:rPr lang="ru-RU" smtClean="0"/>
+              <a:t>‹#›</a:t>
+            </a:fld>
+            <a:endParaRPr lang="ru-RU"/>
+          </a:p>
+        </p:txBody>
+      </p:sp>
+    </p:spTree>
+    <p:extLst>
+      <p:ext uri="{BB962C8B-B14F-4D97-AF65-F5344CB8AC3E}">
+        <p14:creationId xmlns:p14="http://schemas.microsoft.com/office/powerpoint/2010/main" val="590580233"/>
+      </p:ext>
+    </p:extLst>
+  </p:cSld>
+  <p:clrMapOvr>
+    <a:masterClrMapping/>
+  </p:clrMapOvr>
+</p:sldLayout>
+</file>
+
+<file path=ppt/slideLayouts/slideLayout25.xml><?xml version="1.0" encoding="utf-8"?>
+<p:sldLayout xmlns:a="http://schemas.openxmlformats.org/drawingml/2006/main" xmlns:r="http://schemas.openxmlformats.org/officeDocument/2006/relationships" xmlns:p="http://schemas.openxmlformats.org/presentationml/2006/main" type="secHead" preserve="1">
+  <p:cSld name="Заголовок раздела">
+    <p:bg>
+      <p:bgPr>
+        <a:solidFill>
+          <a:schemeClr val="accent1"/>
+        </a:solidFill>
+        <a:effectLst/>
+      </p:bgPr>
+    </p:bg>
+    <p:spTree>
+      <p:nvGrpSpPr>
+        <p:cNvPr id="1" name=""/>
+        <p:cNvGrpSpPr/>
+        <p:nvPr/>
+      </p:nvGrpSpPr>
+      <p:grpSpPr>
+        <a:xfrm>
+          <a:off x="0" y="0"/>
+          <a:ext cx="0" cy="0"/>
+          <a:chOff x="0" y="0"/>
+          <a:chExt cx="0" cy="0"/>
+        </a:xfrm>
+      </p:grpSpPr>
+      <p:sp>
+        <p:nvSpPr>
+          <p:cNvPr id="2" name="Title 1"/>
+          <p:cNvSpPr>
+            <a:spLocks noGrp="1"/>
+          </p:cNvSpPr>
+          <p:nvPr>
+            <p:ph type="title"/>
+          </p:nvPr>
+        </p:nvSpPr>
+        <p:spPr>
+          <a:xfrm>
+            <a:off x="1600200" y="2386744"/>
+            <a:ext cx="8991600" cy="1645920"/>
+          </a:xfrm>
+          <a:solidFill>
+            <a:srgbClr val="FFFFFF"/>
+          </a:solidFill>
+          <a:ln w="38100">
+            <a:solidFill>
+              <a:srgbClr val="404040"/>
+            </a:solidFill>
+          </a:ln>
+        </p:spPr>
+        <p:txBody>
+          <a:bodyPr lIns="274320" rIns="274320" anchor="ctr" anchorCtr="1">
+            <a:normAutofit/>
+          </a:bodyPr>
+          <a:lstStyle>
+            <a:lvl1pPr>
+              <a:defRPr sz="3800">
+                <a:solidFill>
+                  <a:srgbClr val="262626"/>
+                </a:solidFill>
+              </a:defRPr>
+            </a:lvl1pPr>
+          </a:lstStyle>
+          <a:p>
+            <a:r>
+              <a:rPr lang="ru-RU" smtClean="0"/>
+              <a:t>Образец заголовка</a:t>
+            </a:r>
+            <a:endParaRPr lang="en-US" dirty="0"/>
+          </a:p>
+        </p:txBody>
+      </p:sp>
+      <p:sp>
+        <p:nvSpPr>
+          <p:cNvPr id="3" name="Text Placeholder 2"/>
+          <p:cNvSpPr>
+            <a:spLocks noGrp="1"/>
+          </p:cNvSpPr>
+          <p:nvPr>
+            <p:ph type="body" idx="1"/>
+          </p:nvPr>
+        </p:nvSpPr>
+        <p:spPr>
+          <a:xfrm>
+            <a:off x="2695194" y="4352465"/>
+            <a:ext cx="6801612" cy="1265082"/>
+          </a:xfrm>
+        </p:spPr>
+        <p:txBody>
+          <a:bodyPr anchor="t" anchorCtr="1">
+            <a:normAutofit/>
+          </a:bodyPr>
+          <a:lstStyle>
+            <a:lvl1pPr marL="0" indent="0">
+              <a:buNone/>
+              <a:defRPr sz="2000">
+                <a:solidFill>
+                  <a:schemeClr val="tx1"/>
+                </a:solidFill>
+              </a:defRPr>
+            </a:lvl1pPr>
+            <a:lvl2pPr marL="457200" indent="0">
+              <a:buNone/>
+              <a:defRPr sz="2000">
+                <a:solidFill>
+                  <a:schemeClr val="tx1">
+                    <a:tint val="75000"/>
+                  </a:schemeClr>
+                </a:solidFill>
+              </a:defRPr>
+            </a:lvl2pPr>
+            <a:lvl3pPr marL="914400" indent="0">
+              <a:buNone/>
+              <a:defRPr sz="1800">
+                <a:solidFill>
+                  <a:schemeClr val="tx1">
+                    <a:tint val="75000"/>
+                  </a:schemeClr>
+                </a:solidFill>
+              </a:defRPr>
+            </a:lvl3pPr>
+            <a:lvl4pPr marL="1371600" indent="0">
+              <a:buNone/>
+              <a:defRPr sz="1600">
+                <a:solidFill>
+                  <a:schemeClr val="tx1">
+                    <a:tint val="75000"/>
+                  </a:schemeClr>
+                </a:solidFill>
+              </a:defRPr>
+            </a:lvl4pPr>
+            <a:lvl5pPr marL="1828800" indent="0">
+              <a:buNone/>
+              <a:defRPr sz="1600">
+                <a:solidFill>
+                  <a:schemeClr val="tx1">
+                    <a:tint val="75000"/>
+                  </a:schemeClr>
+                </a:solidFill>
+              </a:defRPr>
+            </a:lvl5pPr>
+            <a:lvl6pPr marL="2286000" indent="0">
+              <a:buNone/>
+              <a:defRPr sz="1600">
+                <a:solidFill>
+                  <a:schemeClr val="tx1">
+                    <a:tint val="75000"/>
+                  </a:schemeClr>
+                </a:solidFill>
+              </a:defRPr>
+            </a:lvl6pPr>
+            <a:lvl7pPr marL="2743200" indent="0">
+              <a:buNone/>
+              <a:defRPr sz="1600">
+                <a:solidFill>
+                  <a:schemeClr val="tx1">
+                    <a:tint val="75000"/>
+                  </a:schemeClr>
+                </a:solidFill>
+              </a:defRPr>
+            </a:lvl7pPr>
+            <a:lvl8pPr marL="3200400" indent="0">
+              <a:buNone/>
+              <a:defRPr sz="1600">
+                <a:solidFill>
+                  <a:schemeClr val="tx1">
+                    <a:tint val="75000"/>
+                  </a:schemeClr>
+                </a:solidFill>
+              </a:defRPr>
+            </a:lvl8pPr>
+            <a:lvl9pPr marL="3657600" indent="0">
+              <a:buNone/>
+              <a:defRPr sz="1600">
+                <a:solidFill>
+                  <a:schemeClr val="tx1">
+                    <a:tint val="75000"/>
+                  </a:schemeClr>
+                </a:solidFill>
+              </a:defRPr>
+            </a:lvl9pPr>
+          </a:lstStyle>
+          <a:p>
+            <a:pPr lvl="0"/>
+            <a:r>
+              <a:rPr lang="ru-RU" smtClean="0"/>
+              <a:t>Образец текста</a:t>
+            </a:r>
+          </a:p>
+        </p:txBody>
+      </p:sp>
+      <p:sp>
+        <p:nvSpPr>
+          <p:cNvPr id="7" name="Date Placeholder 6"/>
+          <p:cNvSpPr>
+            <a:spLocks noGrp="1"/>
+          </p:cNvSpPr>
+          <p:nvPr>
+            <p:ph type="dt" sz="half" idx="10"/>
+          </p:nvPr>
+        </p:nvSpPr>
+        <p:spPr/>
+        <p:txBody>
+          <a:bodyPr/>
+          <a:lstStyle/>
+          <a:p>
+            <a:fld id="{35D37C0B-111D-4CEC-9674-9C198D2E94E7}" type="datetimeFigureOut">
+              <a:rPr lang="ru-RU" smtClean="0"/>
+              <a:t>18.02.2025</a:t>
+            </a:fld>
+            <a:endParaRPr lang="ru-RU"/>
+          </a:p>
+        </p:txBody>
+      </p:sp>
+      <p:sp>
+        <p:nvSpPr>
+          <p:cNvPr id="8" name="Footer Placeholder 7"/>
+          <p:cNvSpPr>
+            <a:spLocks noGrp="1"/>
+          </p:cNvSpPr>
+          <p:nvPr>
+            <p:ph type="ftr" sz="quarter" idx="11"/>
+          </p:nvPr>
+        </p:nvSpPr>
+        <p:spPr/>
+        <p:txBody>
+          <a:bodyPr/>
+          <a:lstStyle/>
+          <a:p>
+            <a:endParaRPr lang="ru-RU"/>
+          </a:p>
+        </p:txBody>
+      </p:sp>
+      <p:sp>
+        <p:nvSpPr>
+          <p:cNvPr id="9" name="Slide Number Placeholder 8"/>
+          <p:cNvSpPr>
+            <a:spLocks noGrp="1"/>
+          </p:cNvSpPr>
+          <p:nvPr>
+            <p:ph type="sldNum" sz="quarter" idx="12"/>
+          </p:nvPr>
+        </p:nvSpPr>
+        <p:spPr/>
+        <p:txBody>
+          <a:bodyPr/>
+          <a:lstStyle/>
+          <a:p>
+            <a:fld id="{14F592FB-272A-4C2F-8F00-FF7E2BA78CD7}" type="slidenum">
+              <a:rPr lang="ru-RU" smtClean="0"/>
+              <a:t>‹#›</a:t>
+            </a:fld>
+            <a:endParaRPr lang="ru-RU"/>
+          </a:p>
+        </p:txBody>
+      </p:sp>
+    </p:spTree>
+    <p:extLst>
+      <p:ext uri="{BB962C8B-B14F-4D97-AF65-F5344CB8AC3E}">
+        <p14:creationId xmlns:p14="http://schemas.microsoft.com/office/powerpoint/2010/main" val="2467743819"/>
+      </p:ext>
+    </p:extLst>
+  </p:cSld>
+  <p:clrMapOvr>
+    <a:overrideClrMapping bg1="dk1" tx1="lt1" bg2="dk2" tx2="lt2" accent1="accent1" accent2="accent2" accent3="accent3" accent4="accent4" accent5="accent5" accent6="accent6" hlink="hlink" folHlink="folHlink"/>
+  </p:clrMapOvr>
+</p:sldLayout>
+</file>
+
+<file path=ppt/slideLayouts/slideLayout26.xml><?xml version="1.0" encoding="utf-8"?>
+<p:sldLayout xmlns:a="http://schemas.openxmlformats.org/drawingml/2006/main" xmlns:r="http://schemas.openxmlformats.org/officeDocument/2006/relationships" xmlns:p="http://schemas.openxmlformats.org/presentationml/2006/main" type="twoObj" preserve="1">
+  <p:cSld name="Два объекта">
+    <p:spTree>
+      <p:nvGrpSpPr>
+        <p:cNvPr id="1" name=""/>
+        <p:cNvGrpSpPr/>
+        <p:nvPr/>
+      </p:nvGrpSpPr>
+      <p:grpSpPr>
+        <a:xfrm>
+          <a:off x="0" y="0"/>
+          <a:ext cx="0" cy="0"/>
+          <a:chOff x="0" y="0"/>
+          <a:chExt cx="0" cy="0"/>
+        </a:xfrm>
+      </p:grpSpPr>
+      <p:sp>
+        <p:nvSpPr>
+          <p:cNvPr id="2" name="Title 1"/>
+          <p:cNvSpPr>
+            <a:spLocks noGrp="1"/>
+          </p:cNvSpPr>
+          <p:nvPr>
+            <p:ph type="title"/>
+          </p:nvPr>
+        </p:nvSpPr>
+        <p:spPr/>
+        <p:txBody>
+          <a:bodyPr/>
+          <a:lstStyle/>
+          <a:p>
+            <a:r>
+              <a:rPr lang="ru-RU" smtClean="0"/>
+              <a:t>Образец заголовка</a:t>
+            </a:r>
+            <a:endParaRPr lang="en-US" dirty="0"/>
+          </a:p>
+        </p:txBody>
+      </p:sp>
+      <p:sp>
+        <p:nvSpPr>
+          <p:cNvPr id="3" name="Content Placeholder 2"/>
+          <p:cNvSpPr>
+            <a:spLocks noGrp="1"/>
+          </p:cNvSpPr>
+          <p:nvPr>
+            <p:ph sz="half" idx="1"/>
+          </p:nvPr>
+        </p:nvSpPr>
+        <p:spPr>
+          <a:xfrm>
+            <a:off x="1581912" y="2638044"/>
+            <a:ext cx="4271771" cy="3101982"/>
+          </a:xfrm>
+        </p:spPr>
+        <p:txBody>
+          <a:bodyPr/>
+          <a:lstStyle/>
+          <a:p>
+            <a:pPr lvl="0"/>
+            <a:r>
+              <a:rPr lang="ru-RU" smtClean="0"/>
+              <a:t>Образец текста</a:t>
+            </a:r>
+          </a:p>
+          <a:p>
+            <a:pPr lvl="1"/>
+            <a:r>
+              <a:rPr lang="ru-RU" smtClean="0"/>
+              <a:t>Второй уровень</a:t>
+            </a:r>
+          </a:p>
+          <a:p>
+            <a:pPr lvl="2"/>
+            <a:r>
+              <a:rPr lang="ru-RU" smtClean="0"/>
+              <a:t>Третий уровень</a:t>
+            </a:r>
+          </a:p>
+          <a:p>
+            <a:pPr lvl="3"/>
+            <a:r>
+              <a:rPr lang="ru-RU" smtClean="0"/>
+              <a:t>Четвертый уровень</a:t>
+            </a:r>
+          </a:p>
+          <a:p>
+            <a:pPr lvl="4"/>
+            <a:r>
+              <a:rPr lang="ru-RU" smtClean="0"/>
+              <a:t>Пятый уровень</a:t>
+            </a:r>
+            <a:endParaRPr lang="en-US" dirty="0"/>
+          </a:p>
+        </p:txBody>
+      </p:sp>
+      <p:sp>
+        <p:nvSpPr>
+          <p:cNvPr id="4" name="Content Placeholder 3"/>
+          <p:cNvSpPr>
+            <a:spLocks noGrp="1"/>
+          </p:cNvSpPr>
+          <p:nvPr>
+            <p:ph sz="half" idx="2"/>
+          </p:nvPr>
+        </p:nvSpPr>
+        <p:spPr>
+          <a:xfrm>
+            <a:off x="6338315" y="2638044"/>
+            <a:ext cx="4270247" cy="3101982"/>
+          </a:xfrm>
+        </p:spPr>
+        <p:txBody>
+          <a:bodyPr/>
+          <a:lstStyle/>
+          <a:p>
+            <a:pPr lvl="0"/>
+            <a:r>
+              <a:rPr lang="ru-RU" smtClean="0"/>
+              <a:t>Образец текста</a:t>
+            </a:r>
+          </a:p>
+          <a:p>
+            <a:pPr lvl="1"/>
+            <a:r>
+              <a:rPr lang="ru-RU" smtClean="0"/>
+              <a:t>Второй уровень</a:t>
+            </a:r>
+          </a:p>
+          <a:p>
+            <a:pPr lvl="2"/>
+            <a:r>
+              <a:rPr lang="ru-RU" smtClean="0"/>
+              <a:t>Третий уровень</a:t>
+            </a:r>
+          </a:p>
+          <a:p>
+            <a:pPr lvl="3"/>
+            <a:r>
+              <a:rPr lang="ru-RU" smtClean="0"/>
+              <a:t>Четвертый уровень</a:t>
+            </a:r>
+          </a:p>
+          <a:p>
+            <a:pPr lvl="4"/>
+            <a:r>
+              <a:rPr lang="ru-RU" smtClean="0"/>
+              <a:t>Пятый уровень</a:t>
+            </a:r>
+            <a:endParaRPr lang="en-US" dirty="0"/>
+          </a:p>
+        </p:txBody>
+      </p:sp>
+      <p:sp>
+        <p:nvSpPr>
+          <p:cNvPr id="8" name="Date Placeholder 7"/>
+          <p:cNvSpPr>
+            <a:spLocks noGrp="1"/>
+          </p:cNvSpPr>
+          <p:nvPr>
+            <p:ph type="dt" sz="half" idx="10"/>
+          </p:nvPr>
+        </p:nvSpPr>
+        <p:spPr/>
+        <p:txBody>
+          <a:bodyPr/>
+          <a:lstStyle/>
+          <a:p>
+            <a:fld id="{35D37C0B-111D-4CEC-9674-9C198D2E94E7}" type="datetimeFigureOut">
+              <a:rPr lang="ru-RU" smtClean="0"/>
+              <a:t>18.02.2025</a:t>
+            </a:fld>
+            <a:endParaRPr lang="ru-RU"/>
+          </a:p>
+        </p:txBody>
+      </p:sp>
+      <p:sp>
+        <p:nvSpPr>
+          <p:cNvPr id="9" name="Footer Placeholder 8"/>
+          <p:cNvSpPr>
+            <a:spLocks noGrp="1"/>
+          </p:cNvSpPr>
+          <p:nvPr>
+            <p:ph type="ftr" sz="quarter" idx="11"/>
+          </p:nvPr>
+        </p:nvSpPr>
+        <p:spPr/>
+        <p:txBody>
+          <a:bodyPr/>
+          <a:lstStyle/>
+          <a:p>
+            <a:endParaRPr lang="ru-RU"/>
+          </a:p>
+        </p:txBody>
+      </p:sp>
+      <p:sp>
+        <p:nvSpPr>
+          <p:cNvPr id="10" name="Slide Number Placeholder 9"/>
+          <p:cNvSpPr>
+            <a:spLocks noGrp="1"/>
+          </p:cNvSpPr>
+          <p:nvPr>
+            <p:ph type="sldNum" sz="quarter" idx="12"/>
+          </p:nvPr>
+        </p:nvSpPr>
+        <p:spPr/>
+        <p:txBody>
+          <a:bodyPr/>
+          <a:lstStyle/>
+          <a:p>
+            <a:fld id="{14F592FB-272A-4C2F-8F00-FF7E2BA78CD7}" type="slidenum">
+              <a:rPr lang="ru-RU" smtClean="0"/>
+              <a:t>‹#›</a:t>
+            </a:fld>
+            <a:endParaRPr lang="ru-RU"/>
+          </a:p>
+        </p:txBody>
+      </p:sp>
+    </p:spTree>
+    <p:extLst>
+      <p:ext uri="{BB962C8B-B14F-4D97-AF65-F5344CB8AC3E}">
+        <p14:creationId xmlns:p14="http://schemas.microsoft.com/office/powerpoint/2010/main" val="1268034545"/>
+      </p:ext>
+    </p:extLst>
+  </p:cSld>
+  <p:clrMapOvr>
+    <a:masterClrMapping/>
+  </p:clrMapOvr>
+</p:sldLayout>
+</file>
+
+<file path=ppt/slideLayouts/slideLayout27.xml><?xml version="1.0" encoding="utf-8"?>
+<p:sldLayout xmlns:a="http://schemas.openxmlformats.org/drawingml/2006/main" xmlns:r="http://schemas.openxmlformats.org/officeDocument/2006/relationships" xmlns:p="http://schemas.openxmlformats.org/presentationml/2006/main" type="twoTxTwoObj" preserve="1">
+  <p:cSld name="Сравнение">
+    <p:spTree>
+      <p:nvGrpSpPr>
+        <p:cNvPr id="1" name=""/>
+        <p:cNvGrpSpPr/>
+        <p:nvPr/>
+      </p:nvGrpSpPr>
+      <p:grpSpPr>
+        <a:xfrm>
+          <a:off x="0" y="0"/>
+          <a:ext cx="0" cy="0"/>
+          <a:chOff x="0" y="0"/>
+          <a:chExt cx="0" cy="0"/>
+        </a:xfrm>
+      </p:grpSpPr>
+      <p:sp>
+        <p:nvSpPr>
+          <p:cNvPr id="3" name="Text Placeholder 2"/>
+          <p:cNvSpPr>
+            <a:spLocks noGrp="1"/>
+          </p:cNvSpPr>
+          <p:nvPr>
+            <p:ph type="body" idx="1"/>
+          </p:nvPr>
+        </p:nvSpPr>
+        <p:spPr>
+          <a:xfrm>
+            <a:off x="1583436" y="2313433"/>
+            <a:ext cx="4270248" cy="704087"/>
+          </a:xfrm>
+        </p:spPr>
+        <p:txBody>
+          <a:bodyPr anchor="b" anchorCtr="1">
+            <a:normAutofit/>
+          </a:bodyPr>
+          <a:lstStyle>
+            <a:lvl1pPr marL="0" indent="0" algn="ctr">
+              <a:buNone/>
+              <a:defRPr sz="1900" b="0" cap="all" spc="100" baseline="0">
+                <a:solidFill>
+                  <a:schemeClr val="accent2"/>
+                </a:solidFill>
+              </a:defRPr>
+            </a:lvl1pPr>
+            <a:lvl2pPr marL="457200" indent="0">
+              <a:buNone/>
+              <a:defRPr sz="1900" b="1"/>
+            </a:lvl2pPr>
+            <a:lvl3pPr marL="914400" indent="0">
+              <a:buNone/>
+              <a:defRPr sz="1800" b="1"/>
+            </a:lvl3pPr>
+            <a:lvl4pPr marL="1371600" indent="0">
+              <a:buNone/>
+              <a:defRPr sz="1600" b="1"/>
+            </a:lvl4pPr>
+            <a:lvl5pPr marL="1828800" indent="0">
+              <a:buNone/>
+              <a:defRPr sz="1600" b="1"/>
+            </a:lvl5pPr>
+            <a:lvl6pPr marL="2286000" indent="0">
+              <a:buNone/>
+              <a:defRPr sz="1600" b="1"/>
+            </a:lvl6pPr>
+            <a:lvl7pPr marL="2743200" indent="0">
+              <a:buNone/>
+              <a:defRPr sz="1600" b="1"/>
+            </a:lvl7pPr>
+            <a:lvl8pPr marL="3200400" indent="0">
+              <a:buNone/>
+              <a:defRPr sz="1600" b="1"/>
+            </a:lvl8pPr>
+            <a:lvl9pPr marL="3657600" indent="0">
+              <a:buNone/>
+              <a:defRPr sz="1600" b="1"/>
+            </a:lvl9pPr>
+          </a:lstStyle>
+          <a:p>
+            <a:pPr lvl="0"/>
+            <a:r>
+              <a:rPr lang="ru-RU" smtClean="0"/>
+              <a:t>Образец текста</a:t>
+            </a:r>
+          </a:p>
+        </p:txBody>
+      </p:sp>
+      <p:sp>
+        <p:nvSpPr>
+          <p:cNvPr id="4" name="Content Placeholder 3"/>
+          <p:cNvSpPr>
+            <a:spLocks noGrp="1"/>
+          </p:cNvSpPr>
+          <p:nvPr>
+            <p:ph sz="half" idx="2"/>
+          </p:nvPr>
+        </p:nvSpPr>
+        <p:spPr>
+          <a:xfrm>
+            <a:off x="1583436" y="3143250"/>
+            <a:ext cx="4270248" cy="2596776"/>
+          </a:xfrm>
+        </p:spPr>
+        <p:txBody>
+          <a:bodyPr/>
+          <a:lstStyle/>
+          <a:p>
+            <a:pPr lvl="0"/>
+            <a:r>
+              <a:rPr lang="ru-RU" smtClean="0"/>
+              <a:t>Образец текста</a:t>
+            </a:r>
+          </a:p>
+          <a:p>
+            <a:pPr lvl="1"/>
+            <a:r>
+              <a:rPr lang="ru-RU" smtClean="0"/>
+              <a:t>Второй уровень</a:t>
+            </a:r>
+          </a:p>
+          <a:p>
+            <a:pPr lvl="2"/>
+            <a:r>
+              <a:rPr lang="ru-RU" smtClean="0"/>
+              <a:t>Третий уровень</a:t>
+            </a:r>
+          </a:p>
+          <a:p>
+            <a:pPr lvl="3"/>
+            <a:r>
+              <a:rPr lang="ru-RU" smtClean="0"/>
+              <a:t>Четвертый уровень</a:t>
+            </a:r>
+          </a:p>
+          <a:p>
+            <a:pPr lvl="4"/>
+            <a:r>
+              <a:rPr lang="ru-RU" smtClean="0"/>
+              <a:t>Пятый уровень</a:t>
+            </a:r>
+            <a:endParaRPr lang="en-US" dirty="0"/>
+          </a:p>
+        </p:txBody>
+      </p:sp>
+      <p:sp>
+        <p:nvSpPr>
+          <p:cNvPr id="6" name="Content Placeholder 5"/>
+          <p:cNvSpPr>
+            <a:spLocks noGrp="1"/>
+          </p:cNvSpPr>
+          <p:nvPr>
+            <p:ph sz="quarter" idx="4"/>
+          </p:nvPr>
+        </p:nvSpPr>
+        <p:spPr>
+          <a:xfrm>
+            <a:off x="6338316" y="3143250"/>
+            <a:ext cx="4253484" cy="2596776"/>
+          </a:xfrm>
+        </p:spPr>
+        <p:txBody>
+          <a:bodyPr/>
+          <a:lstStyle>
+            <a:lvl5pPr>
+              <a:defRPr/>
+            </a:lvl5pPr>
+          </a:lstStyle>
+          <a:p>
+            <a:pPr lvl="0"/>
+            <a:r>
+              <a:rPr lang="ru-RU" smtClean="0"/>
+              <a:t>Образец текста</a:t>
+            </a:r>
+          </a:p>
+          <a:p>
+            <a:pPr lvl="1"/>
+            <a:r>
+              <a:rPr lang="ru-RU" smtClean="0"/>
+              <a:t>Второй уровень</a:t>
+            </a:r>
+          </a:p>
+          <a:p>
+            <a:pPr lvl="2"/>
+            <a:r>
+              <a:rPr lang="ru-RU" smtClean="0"/>
+              <a:t>Третий уровень</a:t>
+            </a:r>
+          </a:p>
+          <a:p>
+            <a:pPr lvl="3"/>
+            <a:r>
+              <a:rPr lang="ru-RU" smtClean="0"/>
+              <a:t>Четвертый уровень</a:t>
+            </a:r>
+          </a:p>
+          <a:p>
+            <a:pPr lvl="4"/>
+            <a:r>
+              <a:rPr lang="ru-RU" smtClean="0"/>
+              <a:t>Пятый уровень</a:t>
+            </a:r>
+            <a:endParaRPr lang="en-US" dirty="0"/>
+          </a:p>
+        </p:txBody>
+      </p:sp>
+      <p:sp>
+        <p:nvSpPr>
+          <p:cNvPr id="11" name="Text Placeholder 4"/>
+          <p:cNvSpPr>
+            <a:spLocks noGrp="1"/>
+          </p:cNvSpPr>
+          <p:nvPr>
+            <p:ph type="body" sz="quarter" idx="13"/>
+          </p:nvPr>
+        </p:nvSpPr>
+        <p:spPr>
+          <a:xfrm>
+            <a:off x="6338316" y="2313433"/>
+            <a:ext cx="4270248" cy="704087"/>
+          </a:xfrm>
+        </p:spPr>
+        <p:txBody>
+          <a:bodyPr anchor="b" anchorCtr="1">
+            <a:normAutofit/>
+          </a:bodyPr>
+          <a:lstStyle>
+            <a:lvl1pPr marL="0" indent="0" algn="ctr">
+              <a:buNone/>
+              <a:defRPr sz="1900" b="0" cap="all" spc="100" baseline="0">
+                <a:solidFill>
+                  <a:schemeClr val="accent2"/>
+                </a:solidFill>
+              </a:defRPr>
+            </a:lvl1pPr>
+            <a:lvl2pPr marL="457200" indent="0">
+              <a:buNone/>
+              <a:defRPr sz="1900" b="1"/>
+            </a:lvl2pPr>
+            <a:lvl3pPr marL="914400" indent="0">
+              <a:buNone/>
+              <a:defRPr sz="1800" b="1"/>
+            </a:lvl3pPr>
+            <a:lvl4pPr marL="1371600" indent="0">
+              <a:buNone/>
+              <a:defRPr sz="1600" b="1"/>
+            </a:lvl4pPr>
+            <a:lvl5pPr marL="1828800" indent="0">
+              <a:buNone/>
+              <a:defRPr sz="1600" b="1"/>
+            </a:lvl5pPr>
+            <a:lvl6pPr marL="2286000" indent="0">
+              <a:buNone/>
+              <a:defRPr sz="1600" b="1"/>
+            </a:lvl6pPr>
+            <a:lvl7pPr marL="2743200" indent="0">
+              <a:buNone/>
+              <a:defRPr sz="1600" b="1"/>
+            </a:lvl7pPr>
+            <a:lvl8pPr marL="3200400" indent="0">
+              <a:buNone/>
+              <a:defRPr sz="1600" b="1"/>
+            </a:lvl8pPr>
+            <a:lvl9pPr marL="3657600" indent="0">
+              <a:buNone/>
+              <a:defRPr sz="1600" b="1"/>
+            </a:lvl9pPr>
+          </a:lstStyle>
+          <a:p>
+            <a:pPr lvl="0"/>
+            <a:r>
+              <a:rPr lang="ru-RU" smtClean="0"/>
+              <a:t>Образец текста</a:t>
+            </a:r>
+          </a:p>
+        </p:txBody>
+      </p:sp>
+      <p:sp>
+        <p:nvSpPr>
+          <p:cNvPr id="7" name="Date Placeholder 6"/>
+          <p:cNvSpPr>
+            <a:spLocks noGrp="1"/>
+          </p:cNvSpPr>
+          <p:nvPr>
+            <p:ph type="dt" sz="half" idx="10"/>
+          </p:nvPr>
+        </p:nvSpPr>
+        <p:spPr/>
+        <p:txBody>
+          <a:bodyPr/>
+          <a:lstStyle/>
+          <a:p>
+            <a:fld id="{35D37C0B-111D-4CEC-9674-9C198D2E94E7}" type="datetimeFigureOut">
+              <a:rPr lang="ru-RU" smtClean="0"/>
+              <a:t>18.02.2025</a:t>
+            </a:fld>
+            <a:endParaRPr lang="ru-RU"/>
+          </a:p>
+        </p:txBody>
+      </p:sp>
+      <p:sp>
+        <p:nvSpPr>
+          <p:cNvPr id="8" name="Footer Placeholder 7"/>
+          <p:cNvSpPr>
+            <a:spLocks noGrp="1"/>
+          </p:cNvSpPr>
+          <p:nvPr>
+            <p:ph type="ftr" sz="quarter" idx="11"/>
+          </p:nvPr>
+        </p:nvSpPr>
+        <p:spPr/>
+        <p:txBody>
+          <a:bodyPr/>
+          <a:lstStyle/>
+          <a:p>
+            <a:endParaRPr lang="ru-RU"/>
+          </a:p>
+        </p:txBody>
+      </p:sp>
+      <p:sp>
+        <p:nvSpPr>
+          <p:cNvPr id="9" name="Slide Number Placeholder 8"/>
+          <p:cNvSpPr>
+            <a:spLocks noGrp="1"/>
+          </p:cNvSpPr>
+          <p:nvPr>
+            <p:ph type="sldNum" sz="quarter" idx="12"/>
+          </p:nvPr>
+        </p:nvSpPr>
+        <p:spPr/>
+        <p:txBody>
+          <a:bodyPr/>
+          <a:lstStyle/>
+          <a:p>
+            <a:fld id="{14F592FB-272A-4C2F-8F00-FF7E2BA78CD7}" type="slidenum">
+              <a:rPr lang="ru-RU" smtClean="0"/>
+              <a:t>‹#›</a:t>
+            </a:fld>
+            <a:endParaRPr lang="ru-RU"/>
+          </a:p>
+        </p:txBody>
+      </p:sp>
+      <p:sp>
+        <p:nvSpPr>
+          <p:cNvPr id="10" name="Title 9"/>
+          <p:cNvSpPr>
+            <a:spLocks noGrp="1"/>
+          </p:cNvSpPr>
+          <p:nvPr>
+            <p:ph type="title"/>
+          </p:nvPr>
+        </p:nvSpPr>
+        <p:spPr/>
+        <p:txBody>
+          <a:bodyPr/>
+          <a:lstStyle/>
+          <a:p>
+            <a:r>
+              <a:rPr lang="ru-RU" smtClean="0"/>
+              <a:t>Образец заголовка</a:t>
+            </a:r>
+            <a:endParaRPr lang="en-US" dirty="0"/>
+          </a:p>
+        </p:txBody>
+      </p:sp>
+    </p:spTree>
+    <p:extLst>
+      <p:ext uri="{BB962C8B-B14F-4D97-AF65-F5344CB8AC3E}">
+        <p14:creationId xmlns:p14="http://schemas.microsoft.com/office/powerpoint/2010/main" val="1056949906"/>
+      </p:ext>
+    </p:extLst>
+  </p:cSld>
+  <p:clrMapOvr>
+    <a:masterClrMapping/>
+  </p:clrMapOvr>
+</p:sldLayout>
+</file>
+
+<file path=ppt/slideLayouts/slideLayout28.xml><?xml version="1.0" encoding="utf-8"?>
+<p:sldLayout xmlns:a="http://schemas.openxmlformats.org/drawingml/2006/main" xmlns:r="http://schemas.openxmlformats.org/officeDocument/2006/relationships" xmlns:p="http://schemas.openxmlformats.org/presentationml/2006/main" type="titleOnly" preserve="1">
+  <p:cSld name="Только заголовок">
+    <p:spTree>
+      <p:nvGrpSpPr>
+        <p:cNvPr id="1" name=""/>
+        <p:cNvGrpSpPr/>
+        <p:nvPr/>
+      </p:nvGrpSpPr>
+      <p:grpSpPr>
+        <a:xfrm>
+          <a:off x="0" y="0"/>
+          <a:ext cx="0" cy="0"/>
+          <a:chOff x="0" y="0"/>
+          <a:chExt cx="0" cy="0"/>
+        </a:xfrm>
+      </p:grpSpPr>
+      <p:sp>
+        <p:nvSpPr>
+          <p:cNvPr id="2" name="Title 1"/>
+          <p:cNvSpPr>
+            <a:spLocks noGrp="1"/>
+          </p:cNvSpPr>
+          <p:nvPr>
+            <p:ph type="title"/>
+          </p:nvPr>
+        </p:nvSpPr>
+        <p:spPr/>
+        <p:txBody>
+          <a:bodyPr/>
+          <a:lstStyle/>
+          <a:p>
+            <a:r>
+              <a:rPr lang="ru-RU" smtClean="0"/>
+              <a:t>Образец заголовка</a:t>
+            </a:r>
+            <a:endParaRPr lang="en-US" dirty="0"/>
+          </a:p>
+        </p:txBody>
+      </p:sp>
+      <p:sp>
+        <p:nvSpPr>
+          <p:cNvPr id="3" name="Date Placeholder 2"/>
+          <p:cNvSpPr>
+            <a:spLocks noGrp="1"/>
+          </p:cNvSpPr>
+          <p:nvPr>
+            <p:ph type="dt" sz="half" idx="10"/>
+          </p:nvPr>
+        </p:nvSpPr>
+        <p:spPr/>
+        <p:txBody>
+          <a:bodyPr/>
+          <a:lstStyle/>
+          <a:p>
+            <a:fld id="{35D37C0B-111D-4CEC-9674-9C198D2E94E7}" type="datetimeFigureOut">
+              <a:rPr lang="ru-RU" smtClean="0"/>
+              <a:t>18.02.2025</a:t>
+            </a:fld>
+            <a:endParaRPr lang="ru-RU"/>
+          </a:p>
+        </p:txBody>
+      </p:sp>
+      <p:sp>
+        <p:nvSpPr>
+          <p:cNvPr id="4" name="Footer Placeholder 3"/>
+          <p:cNvSpPr>
+            <a:spLocks noGrp="1"/>
+          </p:cNvSpPr>
+          <p:nvPr>
+            <p:ph type="ftr" sz="quarter" idx="11"/>
+          </p:nvPr>
+        </p:nvSpPr>
+        <p:spPr/>
+        <p:txBody>
+          <a:bodyPr/>
+          <a:lstStyle/>
+          <a:p>
+            <a:endParaRPr lang="ru-RU"/>
+          </a:p>
+        </p:txBody>
+      </p:sp>
+      <p:sp>
+        <p:nvSpPr>
+          <p:cNvPr id="5" name="Slide Number Placeholder 4"/>
+          <p:cNvSpPr>
+            <a:spLocks noGrp="1"/>
+          </p:cNvSpPr>
+          <p:nvPr>
+            <p:ph type="sldNum" sz="quarter" idx="12"/>
+          </p:nvPr>
+        </p:nvSpPr>
+        <p:spPr/>
+        <p:txBody>
+          <a:bodyPr/>
+          <a:lstStyle/>
+          <a:p>
+            <a:fld id="{14F592FB-272A-4C2F-8F00-FF7E2BA78CD7}" type="slidenum">
+              <a:rPr lang="ru-RU" smtClean="0"/>
+              <a:t>‹#›</a:t>
+            </a:fld>
+            <a:endParaRPr lang="ru-RU"/>
+          </a:p>
+        </p:txBody>
+      </p:sp>
+    </p:spTree>
+    <p:extLst>
+      <p:ext uri="{BB962C8B-B14F-4D97-AF65-F5344CB8AC3E}">
+        <p14:creationId xmlns:p14="http://schemas.microsoft.com/office/powerpoint/2010/main" val="798961140"/>
+      </p:ext>
+    </p:extLst>
+  </p:cSld>
+  <p:clrMapOvr>
+    <a:masterClrMapping/>
+  </p:clrMapOvr>
+</p:sldLayout>
+</file>
+
+<file path=ppt/slideLayouts/slideLayout29.xml><?xml version="1.0" encoding="utf-8"?>
+<p:sldLayout xmlns:a="http://schemas.openxmlformats.org/drawingml/2006/main" xmlns:r="http://schemas.openxmlformats.org/officeDocument/2006/relationships" xmlns:p="http://schemas.openxmlformats.org/presentationml/2006/main" type="blank" preserve="1">
+  <p:cSld name="Пустой слайд">
+    <p:spTree>
+      <p:nvGrpSpPr>
+        <p:cNvPr id="1" name=""/>
+        <p:cNvGrpSpPr/>
+        <p:nvPr/>
+      </p:nvGrpSpPr>
+      <p:grpSpPr>
+        <a:xfrm>
+          <a:off x="0" y="0"/>
+          <a:ext cx="0" cy="0"/>
+          <a:chOff x="0" y="0"/>
+          <a:chExt cx="0" cy="0"/>
+        </a:xfrm>
+      </p:grpSpPr>
+      <p:sp>
+        <p:nvSpPr>
+          <p:cNvPr id="2" name="Date Placeholder 1"/>
+          <p:cNvSpPr>
+            <a:spLocks noGrp="1"/>
+          </p:cNvSpPr>
+          <p:nvPr>
+            <p:ph type="dt" sz="half" idx="10"/>
+          </p:nvPr>
+        </p:nvSpPr>
+        <p:spPr/>
+        <p:txBody>
+          <a:bodyPr/>
+          <a:lstStyle/>
+          <a:p>
+            <a:fld id="{35D37C0B-111D-4CEC-9674-9C198D2E94E7}" type="datetimeFigureOut">
+              <a:rPr lang="ru-RU" smtClean="0"/>
+              <a:t>18.02.2025</a:t>
+            </a:fld>
+            <a:endParaRPr lang="ru-RU"/>
+          </a:p>
+        </p:txBody>
+      </p:sp>
+      <p:sp>
+        <p:nvSpPr>
+          <p:cNvPr id="3" name="Footer Placeholder 2"/>
+          <p:cNvSpPr>
+            <a:spLocks noGrp="1"/>
+          </p:cNvSpPr>
+          <p:nvPr>
+            <p:ph type="ftr" sz="quarter" idx="11"/>
+          </p:nvPr>
+        </p:nvSpPr>
+        <p:spPr/>
+        <p:txBody>
+          <a:bodyPr/>
+          <a:lstStyle/>
+          <a:p>
+            <a:endParaRPr lang="ru-RU"/>
+          </a:p>
+        </p:txBody>
+      </p:sp>
+      <p:sp>
+        <p:nvSpPr>
+          <p:cNvPr id="4" name="Slide Number Placeholder 3"/>
+          <p:cNvSpPr>
+            <a:spLocks noGrp="1"/>
+          </p:cNvSpPr>
+          <p:nvPr>
+            <p:ph type="sldNum" sz="quarter" idx="12"/>
+          </p:nvPr>
+        </p:nvSpPr>
+        <p:spPr/>
+        <p:txBody>
+          <a:bodyPr/>
+          <a:lstStyle/>
+          <a:p>
+            <a:fld id="{14F592FB-272A-4C2F-8F00-FF7E2BA78CD7}" type="slidenum">
+              <a:rPr lang="ru-RU" smtClean="0"/>
+              <a:t>‹#›</a:t>
+            </a:fld>
+            <a:endParaRPr lang="ru-RU"/>
+          </a:p>
+        </p:txBody>
+      </p:sp>
+    </p:spTree>
+    <p:extLst>
+      <p:ext uri="{BB962C8B-B14F-4D97-AF65-F5344CB8AC3E}">
+        <p14:creationId xmlns:p14="http://schemas.microsoft.com/office/powerpoint/2010/main" val="1948857035"/>
+      </p:ext>
+    </p:extLst>
+  </p:cSld>
+  <p:clrMapOvr>
+    <a:masterClrMapping/>
+  </p:clrMapOvr>
+</p:sldLayout>
+</file>
+
 <file path=ppt/slideLayouts/slideLayout3.xml><?xml version="1.0" encoding="utf-8"?>
 <p:sldLayout xmlns:a="http://schemas.openxmlformats.org/drawingml/2006/main" xmlns:r="http://schemas.openxmlformats.org/officeDocument/2006/relationships" xmlns:p="http://schemas.openxmlformats.org/presentationml/2006/main" type="secHead" preserve="1">
   <p:cSld name="Заголовок раздела">
@@ -7534,6 +9020,1084 @@
   </p:cSld>
   <p:clrMapOvr>
     <a:overrideClrMapping bg1="dk1" tx1="lt1" bg2="dk2" tx2="lt2" accent1="accent1" accent2="accent2" accent3="accent3" accent4="accent4" accent5="accent5" accent6="accent6" hlink="hlink" folHlink="folHlink"/>
+  </p:clrMapOvr>
+</p:sldLayout>
+</file>
+
+<file path=ppt/slideLayouts/slideLayout30.xml><?xml version="1.0" encoding="utf-8"?>
+<p:sldLayout xmlns:a="http://schemas.openxmlformats.org/drawingml/2006/main" xmlns:r="http://schemas.openxmlformats.org/officeDocument/2006/relationships" xmlns:p="http://schemas.openxmlformats.org/presentationml/2006/main" type="objTx" preserve="1">
+  <p:cSld name="Объект с подписью">
+    <p:spTree>
+      <p:nvGrpSpPr>
+        <p:cNvPr id="1" name=""/>
+        <p:cNvGrpSpPr/>
+        <p:nvPr/>
+      </p:nvGrpSpPr>
+      <p:grpSpPr>
+        <a:xfrm>
+          <a:off x="0" y="0"/>
+          <a:ext cx="0" cy="0"/>
+          <a:chOff x="0" y="0"/>
+          <a:chExt cx="0" cy="0"/>
+        </a:xfrm>
+      </p:grpSpPr>
+      <p:sp>
+        <p:nvSpPr>
+          <p:cNvPr id="26" name="Rectangle 25"/>
+          <p:cNvSpPr/>
+          <p:nvPr/>
+        </p:nvSpPr>
+        <p:spPr>
+          <a:xfrm>
+            <a:off x="0" y="0"/>
+            <a:ext cx="6096000" cy="6858000"/>
+          </a:xfrm>
+          <a:prstGeom prst="rect">
+            <a:avLst/>
+          </a:prstGeom>
+          <a:solidFill>
+            <a:schemeClr val="accent2"/>
+          </a:solidFill>
+          <a:ln>
+            <a:noFill/>
+          </a:ln>
+        </p:spPr>
+        <p:style>
+          <a:lnRef idx="2">
+            <a:schemeClr val="accent1">
+              <a:shade val="50000"/>
+            </a:schemeClr>
+          </a:lnRef>
+          <a:fillRef idx="1">
+            <a:schemeClr val="accent1"/>
+          </a:fillRef>
+          <a:effectRef idx="0">
+            <a:schemeClr val="accent1"/>
+          </a:effectRef>
+          <a:fontRef idx="minor">
+            <a:schemeClr val="lt1"/>
+          </a:fontRef>
+        </p:style>
+      </p:sp>
+      <p:sp>
+        <p:nvSpPr>
+          <p:cNvPr id="2" name="Title 1"/>
+          <p:cNvSpPr>
+            <a:spLocks noGrp="1"/>
+          </p:cNvSpPr>
+          <p:nvPr>
+            <p:ph type="title"/>
+          </p:nvPr>
+        </p:nvSpPr>
+        <p:spPr>
+          <a:xfrm>
+            <a:off x="804672" y="2243828"/>
+            <a:ext cx="4486656" cy="1141497"/>
+          </a:xfrm>
+          <a:solidFill>
+            <a:srgbClr val="FFFFFF"/>
+          </a:solidFill>
+          <a:ln>
+            <a:solidFill>
+              <a:srgbClr val="404040"/>
+            </a:solidFill>
+          </a:ln>
+        </p:spPr>
+        <p:txBody>
+          <a:bodyPr anchor="ctr" anchorCtr="1">
+            <a:normAutofit/>
+          </a:bodyPr>
+          <a:lstStyle>
+            <a:lvl1pPr>
+              <a:defRPr sz="2200">
+                <a:solidFill>
+                  <a:srgbClr val="262626"/>
+                </a:solidFill>
+              </a:defRPr>
+            </a:lvl1pPr>
+          </a:lstStyle>
+          <a:p>
+            <a:r>
+              <a:rPr lang="ru-RU" smtClean="0"/>
+              <a:t>Образец заголовка</a:t>
+            </a:r>
+            <a:endParaRPr lang="en-US" dirty="0"/>
+          </a:p>
+        </p:txBody>
+      </p:sp>
+      <p:sp>
+        <p:nvSpPr>
+          <p:cNvPr id="3" name="Content Placeholder 2"/>
+          <p:cNvSpPr>
+            <a:spLocks noGrp="1"/>
+          </p:cNvSpPr>
+          <p:nvPr>
+            <p:ph idx="1"/>
+          </p:nvPr>
+        </p:nvSpPr>
+        <p:spPr>
+          <a:xfrm>
+            <a:off x="6736080" y="804672"/>
+            <a:ext cx="4815840" cy="5248656"/>
+          </a:xfrm>
+        </p:spPr>
+        <p:txBody>
+          <a:bodyPr>
+            <a:normAutofit/>
+          </a:bodyPr>
+          <a:lstStyle>
+            <a:lvl1pPr>
+              <a:defRPr sz="1900">
+                <a:solidFill>
+                  <a:schemeClr val="tx1"/>
+                </a:solidFill>
+              </a:defRPr>
+            </a:lvl1pPr>
+            <a:lvl2pPr>
+              <a:defRPr sz="1600">
+                <a:solidFill>
+                  <a:schemeClr val="tx1"/>
+                </a:solidFill>
+              </a:defRPr>
+            </a:lvl2pPr>
+            <a:lvl3pPr>
+              <a:defRPr sz="1600">
+                <a:solidFill>
+                  <a:schemeClr val="tx1"/>
+                </a:solidFill>
+              </a:defRPr>
+            </a:lvl3pPr>
+            <a:lvl4pPr>
+              <a:defRPr sz="1600">
+                <a:solidFill>
+                  <a:schemeClr val="tx1"/>
+                </a:solidFill>
+              </a:defRPr>
+            </a:lvl4pPr>
+            <a:lvl5pPr>
+              <a:defRPr sz="1600">
+                <a:solidFill>
+                  <a:schemeClr val="tx1"/>
+                </a:solidFill>
+              </a:defRPr>
+            </a:lvl5pPr>
+            <a:lvl6pPr>
+              <a:defRPr sz="1600"/>
+            </a:lvl6pPr>
+            <a:lvl7pPr>
+              <a:defRPr sz="1600"/>
+            </a:lvl7pPr>
+            <a:lvl8pPr>
+              <a:defRPr sz="1600"/>
+            </a:lvl8pPr>
+            <a:lvl9pPr>
+              <a:defRPr sz="1600"/>
+            </a:lvl9pPr>
+          </a:lstStyle>
+          <a:p>
+            <a:pPr lvl="0"/>
+            <a:r>
+              <a:rPr lang="ru-RU" smtClean="0"/>
+              <a:t>Образец текста</a:t>
+            </a:r>
+          </a:p>
+          <a:p>
+            <a:pPr lvl="1"/>
+            <a:r>
+              <a:rPr lang="ru-RU" smtClean="0"/>
+              <a:t>Второй уровень</a:t>
+            </a:r>
+          </a:p>
+          <a:p>
+            <a:pPr lvl="2"/>
+            <a:r>
+              <a:rPr lang="ru-RU" smtClean="0"/>
+              <a:t>Третий уровень</a:t>
+            </a:r>
+          </a:p>
+          <a:p>
+            <a:pPr lvl="3"/>
+            <a:r>
+              <a:rPr lang="ru-RU" smtClean="0"/>
+              <a:t>Четвертый уровень</a:t>
+            </a:r>
+          </a:p>
+          <a:p>
+            <a:pPr lvl="4"/>
+            <a:r>
+              <a:rPr lang="ru-RU" smtClean="0"/>
+              <a:t>Пятый уровень</a:t>
+            </a:r>
+            <a:endParaRPr lang="en-US" dirty="0"/>
+          </a:p>
+        </p:txBody>
+      </p:sp>
+      <p:sp>
+        <p:nvSpPr>
+          <p:cNvPr id="4" name="Text Placeholder 3"/>
+          <p:cNvSpPr>
+            <a:spLocks noGrp="1"/>
+          </p:cNvSpPr>
+          <p:nvPr>
+            <p:ph type="body" sz="half" idx="2"/>
+          </p:nvPr>
+        </p:nvSpPr>
+        <p:spPr>
+          <a:xfrm>
+            <a:off x="1115568" y="3549918"/>
+            <a:ext cx="3794760" cy="2194036"/>
+          </a:xfrm>
+        </p:spPr>
+        <p:txBody>
+          <a:bodyPr anchor="t" anchorCtr="1">
+            <a:normAutofit/>
+          </a:bodyPr>
+          <a:lstStyle>
+            <a:lvl1pPr marL="0" indent="0" algn="ctr">
+              <a:buNone/>
+              <a:defRPr sz="1500">
+                <a:solidFill>
+                  <a:srgbClr val="FFFFFF"/>
+                </a:solidFill>
+              </a:defRPr>
+            </a:lvl1pPr>
+            <a:lvl2pPr marL="457200" indent="0">
+              <a:buNone/>
+              <a:defRPr sz="1400"/>
+            </a:lvl2pPr>
+            <a:lvl3pPr marL="914400" indent="0">
+              <a:buNone/>
+              <a:defRPr sz="1200"/>
+            </a:lvl3pPr>
+            <a:lvl4pPr marL="1371600" indent="0">
+              <a:buNone/>
+              <a:defRPr sz="1000"/>
+            </a:lvl4pPr>
+            <a:lvl5pPr marL="1828800" indent="0">
+              <a:buNone/>
+              <a:defRPr sz="1000"/>
+            </a:lvl5pPr>
+            <a:lvl6pPr marL="2286000" indent="0">
+              <a:buNone/>
+              <a:defRPr sz="1000"/>
+            </a:lvl6pPr>
+            <a:lvl7pPr marL="2743200" indent="0">
+              <a:buNone/>
+              <a:defRPr sz="1000"/>
+            </a:lvl7pPr>
+            <a:lvl8pPr marL="3200400" indent="0">
+              <a:buNone/>
+              <a:defRPr sz="1000"/>
+            </a:lvl8pPr>
+            <a:lvl9pPr marL="3657600" indent="0">
+              <a:buNone/>
+              <a:defRPr sz="1000"/>
+            </a:lvl9pPr>
+          </a:lstStyle>
+          <a:p>
+            <a:pPr lvl="0"/>
+            <a:r>
+              <a:rPr lang="ru-RU" smtClean="0"/>
+              <a:t>Образец текста</a:t>
+            </a:r>
+          </a:p>
+        </p:txBody>
+      </p:sp>
+      <p:sp>
+        <p:nvSpPr>
+          <p:cNvPr id="5" name="Date Placeholder 4"/>
+          <p:cNvSpPr>
+            <a:spLocks noGrp="1"/>
+          </p:cNvSpPr>
+          <p:nvPr>
+            <p:ph type="dt" sz="half" idx="10"/>
+          </p:nvPr>
+        </p:nvSpPr>
+        <p:spPr/>
+        <p:txBody>
+          <a:bodyPr/>
+          <a:lstStyle/>
+          <a:p>
+            <a:fld id="{35D37C0B-111D-4CEC-9674-9C198D2E94E7}" type="datetimeFigureOut">
+              <a:rPr lang="ru-RU" smtClean="0"/>
+              <a:t>18.02.2025</a:t>
+            </a:fld>
+            <a:endParaRPr lang="ru-RU"/>
+          </a:p>
+        </p:txBody>
+      </p:sp>
+      <p:sp>
+        <p:nvSpPr>
+          <p:cNvPr id="6" name="Footer Placeholder 5"/>
+          <p:cNvSpPr>
+            <a:spLocks noGrp="1"/>
+          </p:cNvSpPr>
+          <p:nvPr>
+            <p:ph type="ftr" sz="quarter" idx="11"/>
+          </p:nvPr>
+        </p:nvSpPr>
+        <p:spPr>
+          <a:xfrm>
+            <a:off x="804672" y="6236208"/>
+            <a:ext cx="5167503" cy="320040"/>
+          </a:xfrm>
+        </p:spPr>
+        <p:txBody>
+          <a:bodyPr/>
+          <a:lstStyle>
+            <a:lvl1pPr>
+              <a:defRPr>
+                <a:solidFill>
+                  <a:srgbClr val="FFFFFF">
+                    <a:alpha val="69804"/>
+                  </a:srgbClr>
+                </a:solidFill>
+              </a:defRPr>
+            </a:lvl1pPr>
+          </a:lstStyle>
+          <a:p>
+            <a:endParaRPr lang="ru-RU"/>
+          </a:p>
+        </p:txBody>
+      </p:sp>
+      <p:sp>
+        <p:nvSpPr>
+          <p:cNvPr id="7" name="Slide Number Placeholder 6"/>
+          <p:cNvSpPr>
+            <a:spLocks noGrp="1"/>
+          </p:cNvSpPr>
+          <p:nvPr>
+            <p:ph type="sldNum" sz="quarter" idx="12"/>
+          </p:nvPr>
+        </p:nvSpPr>
+        <p:spPr/>
+        <p:txBody>
+          <a:bodyPr/>
+          <a:lstStyle/>
+          <a:p>
+            <a:fld id="{14F592FB-272A-4C2F-8F00-FF7E2BA78CD7}" type="slidenum">
+              <a:rPr lang="ru-RU" smtClean="0"/>
+              <a:t>‹#›</a:t>
+            </a:fld>
+            <a:endParaRPr lang="ru-RU"/>
+          </a:p>
+        </p:txBody>
+      </p:sp>
+    </p:spTree>
+    <p:extLst>
+      <p:ext uri="{BB962C8B-B14F-4D97-AF65-F5344CB8AC3E}">
+        <p14:creationId xmlns:p14="http://schemas.microsoft.com/office/powerpoint/2010/main" val="2997923070"/>
+      </p:ext>
+    </p:extLst>
+  </p:cSld>
+  <p:clrMapOvr>
+    <a:masterClrMapping/>
+  </p:clrMapOvr>
+</p:sldLayout>
+</file>
+
+<file path=ppt/slideLayouts/slideLayout31.xml><?xml version="1.0" encoding="utf-8"?>
+<p:sldLayout xmlns:a="http://schemas.openxmlformats.org/drawingml/2006/main" xmlns:r="http://schemas.openxmlformats.org/officeDocument/2006/relationships" xmlns:p="http://schemas.openxmlformats.org/presentationml/2006/main" type="picTx" preserve="1">
+  <p:cSld name="Рисунок с подписью">
+    <p:spTree>
+      <p:nvGrpSpPr>
+        <p:cNvPr id="1" name=""/>
+        <p:cNvGrpSpPr/>
+        <p:nvPr/>
+      </p:nvGrpSpPr>
+      <p:grpSpPr>
+        <a:xfrm>
+          <a:off x="0" y="0"/>
+          <a:ext cx="0" cy="0"/>
+          <a:chOff x="0" y="0"/>
+          <a:chExt cx="0" cy="0"/>
+        </a:xfrm>
+      </p:grpSpPr>
+      <p:sp>
+        <p:nvSpPr>
+          <p:cNvPr id="18" name="Rectangle 17"/>
+          <p:cNvSpPr/>
+          <p:nvPr/>
+        </p:nvSpPr>
+        <p:spPr>
+          <a:xfrm>
+            <a:off x="0" y="0"/>
+            <a:ext cx="6095999" cy="6858000"/>
+          </a:xfrm>
+          <a:prstGeom prst="rect">
+            <a:avLst/>
+          </a:prstGeom>
+          <a:solidFill>
+            <a:schemeClr val="accent2"/>
+          </a:solidFill>
+          <a:ln>
+            <a:noFill/>
+          </a:ln>
+        </p:spPr>
+        <p:style>
+          <a:lnRef idx="2">
+            <a:schemeClr val="accent1">
+              <a:shade val="50000"/>
+            </a:schemeClr>
+          </a:lnRef>
+          <a:fillRef idx="1">
+            <a:schemeClr val="accent1"/>
+          </a:fillRef>
+          <a:effectRef idx="0">
+            <a:schemeClr val="accent1"/>
+          </a:effectRef>
+          <a:fontRef idx="minor">
+            <a:schemeClr val="lt1"/>
+          </a:fontRef>
+        </p:style>
+      </p:sp>
+      <p:sp>
+        <p:nvSpPr>
+          <p:cNvPr id="2" name="Title 1"/>
+          <p:cNvSpPr>
+            <a:spLocks noGrp="1"/>
+          </p:cNvSpPr>
+          <p:nvPr>
+            <p:ph type="title"/>
+          </p:nvPr>
+        </p:nvSpPr>
+        <p:spPr>
+          <a:xfrm>
+            <a:off x="808523" y="2243828"/>
+            <a:ext cx="4494998" cy="1134640"/>
+          </a:xfrm>
+          <a:solidFill>
+            <a:srgbClr val="FFFFFF"/>
+          </a:solidFill>
+          <a:ln>
+            <a:solidFill>
+              <a:srgbClr val="404040"/>
+            </a:solidFill>
+          </a:ln>
+        </p:spPr>
+        <p:txBody>
+          <a:bodyPr anchor="ctr" anchorCtr="1">
+            <a:noAutofit/>
+          </a:bodyPr>
+          <a:lstStyle>
+            <a:lvl1pPr>
+              <a:defRPr sz="2200">
+                <a:solidFill>
+                  <a:srgbClr val="262626"/>
+                </a:solidFill>
+              </a:defRPr>
+            </a:lvl1pPr>
+          </a:lstStyle>
+          <a:p>
+            <a:r>
+              <a:rPr lang="ru-RU" smtClean="0"/>
+              <a:t>Образец заголовка</a:t>
+            </a:r>
+            <a:endParaRPr lang="en-US" dirty="0"/>
+          </a:p>
+        </p:txBody>
+      </p:sp>
+      <p:sp>
+        <p:nvSpPr>
+          <p:cNvPr id="3" name="Picture Placeholder 2"/>
+          <p:cNvSpPr>
+            <a:spLocks noGrp="1" noChangeAspect="1"/>
+          </p:cNvSpPr>
+          <p:nvPr>
+            <p:ph type="pic" idx="1"/>
+          </p:nvPr>
+        </p:nvSpPr>
+        <p:spPr>
+          <a:xfrm>
+            <a:off x="6095999" y="0"/>
+            <a:ext cx="6102097" cy="6858000"/>
+          </a:xfrm>
+          <a:solidFill>
+            <a:schemeClr val="bg1">
+              <a:lumMod val="75000"/>
+            </a:schemeClr>
+          </a:solidFill>
+        </p:spPr>
+        <p:txBody>
+          <a:bodyPr anchor="t"/>
+          <a:lstStyle>
+            <a:lvl1pPr marL="0" indent="0">
+              <a:buNone/>
+              <a:defRPr sz="3200">
+                <a:solidFill>
+                  <a:schemeClr val="tx1"/>
+                </a:solidFill>
+              </a:defRPr>
+            </a:lvl1pPr>
+            <a:lvl2pPr marL="457200" indent="0">
+              <a:buNone/>
+              <a:defRPr sz="2800"/>
+            </a:lvl2pPr>
+            <a:lvl3pPr marL="914400" indent="0">
+              <a:buNone/>
+              <a:defRPr sz="2400"/>
+            </a:lvl3pPr>
+            <a:lvl4pPr marL="1371600" indent="0">
+              <a:buNone/>
+              <a:defRPr sz="2000"/>
+            </a:lvl4pPr>
+            <a:lvl5pPr marL="1828800" indent="0">
+              <a:buNone/>
+              <a:defRPr sz="2000"/>
+            </a:lvl5pPr>
+            <a:lvl6pPr marL="2286000" indent="0">
+              <a:buNone/>
+              <a:defRPr sz="2000"/>
+            </a:lvl6pPr>
+            <a:lvl7pPr marL="2743200" indent="0">
+              <a:buNone/>
+              <a:defRPr sz="2000"/>
+            </a:lvl7pPr>
+            <a:lvl8pPr marL="3200400" indent="0">
+              <a:buNone/>
+              <a:defRPr sz="2000"/>
+            </a:lvl8pPr>
+            <a:lvl9pPr marL="3657600" indent="0">
+              <a:buNone/>
+              <a:defRPr sz="2000"/>
+            </a:lvl9pPr>
+          </a:lstStyle>
+          <a:p>
+            <a:r>
+              <a:rPr lang="ru-RU" smtClean="0"/>
+              <a:t>Вставка рисунка</a:t>
+            </a:r>
+            <a:endParaRPr lang="en-US" dirty="0"/>
+          </a:p>
+        </p:txBody>
+      </p:sp>
+      <p:sp>
+        <p:nvSpPr>
+          <p:cNvPr id="4" name="Text Placeholder 3"/>
+          <p:cNvSpPr>
+            <a:spLocks noGrp="1"/>
+          </p:cNvSpPr>
+          <p:nvPr>
+            <p:ph type="body" sz="half" idx="2"/>
+          </p:nvPr>
+        </p:nvSpPr>
+        <p:spPr>
+          <a:xfrm>
+            <a:off x="1115568" y="3549918"/>
+            <a:ext cx="3794760" cy="2194037"/>
+          </a:xfrm>
+        </p:spPr>
+        <p:txBody>
+          <a:bodyPr anchor="t" anchorCtr="1">
+            <a:normAutofit/>
+          </a:bodyPr>
+          <a:lstStyle>
+            <a:lvl1pPr marL="0" indent="0" algn="ctr">
+              <a:buNone/>
+              <a:defRPr sz="1500">
+                <a:solidFill>
+                  <a:srgbClr val="FFFFFF"/>
+                </a:solidFill>
+              </a:defRPr>
+            </a:lvl1pPr>
+            <a:lvl2pPr marL="457200" indent="0">
+              <a:buNone/>
+              <a:defRPr sz="1400"/>
+            </a:lvl2pPr>
+            <a:lvl3pPr marL="914400" indent="0">
+              <a:buNone/>
+              <a:defRPr sz="1200"/>
+            </a:lvl3pPr>
+            <a:lvl4pPr marL="1371600" indent="0">
+              <a:buNone/>
+              <a:defRPr sz="1000"/>
+            </a:lvl4pPr>
+            <a:lvl5pPr marL="1828800" indent="0">
+              <a:buNone/>
+              <a:defRPr sz="1000"/>
+            </a:lvl5pPr>
+            <a:lvl6pPr marL="2286000" indent="0">
+              <a:buNone/>
+              <a:defRPr sz="1000"/>
+            </a:lvl6pPr>
+            <a:lvl7pPr marL="2743200" indent="0">
+              <a:buNone/>
+              <a:defRPr sz="1000"/>
+            </a:lvl7pPr>
+            <a:lvl8pPr marL="3200400" indent="0">
+              <a:buNone/>
+              <a:defRPr sz="1000"/>
+            </a:lvl8pPr>
+            <a:lvl9pPr marL="3657600" indent="0">
+              <a:buNone/>
+              <a:defRPr sz="1000"/>
+            </a:lvl9pPr>
+          </a:lstStyle>
+          <a:p>
+            <a:pPr lvl="0"/>
+            <a:r>
+              <a:rPr lang="ru-RU" smtClean="0"/>
+              <a:t>Образец текста</a:t>
+            </a:r>
+          </a:p>
+        </p:txBody>
+      </p:sp>
+      <p:sp>
+        <p:nvSpPr>
+          <p:cNvPr id="5" name="Date Placeholder 4"/>
+          <p:cNvSpPr>
+            <a:spLocks noGrp="1"/>
+          </p:cNvSpPr>
+          <p:nvPr>
+            <p:ph type="dt" sz="half" idx="10"/>
+          </p:nvPr>
+        </p:nvSpPr>
+        <p:spPr/>
+        <p:txBody>
+          <a:bodyPr/>
+          <a:lstStyle>
+            <a:lvl1pPr>
+              <a:defRPr>
+                <a:solidFill>
+                  <a:srgbClr val="FFFFFF">
+                    <a:alpha val="90000"/>
+                  </a:srgbClr>
+                </a:solidFill>
+                <a:effectLst>
+                  <a:outerShdw blurRad="50800" dist="38100" dir="2700000" algn="tl" rotWithShape="0">
+                    <a:prstClr val="black">
+                      <a:alpha val="43000"/>
+                    </a:prstClr>
+                  </a:outerShdw>
+                </a:effectLst>
+              </a:defRPr>
+            </a:lvl1pPr>
+          </a:lstStyle>
+          <a:p>
+            <a:fld id="{35D37C0B-111D-4CEC-9674-9C198D2E94E7}" type="datetimeFigureOut">
+              <a:rPr lang="ru-RU" smtClean="0"/>
+              <a:t>18.02.2025</a:t>
+            </a:fld>
+            <a:endParaRPr lang="ru-RU"/>
+          </a:p>
+        </p:txBody>
+      </p:sp>
+      <p:sp>
+        <p:nvSpPr>
+          <p:cNvPr id="6" name="Footer Placeholder 5"/>
+          <p:cNvSpPr>
+            <a:spLocks noGrp="1"/>
+          </p:cNvSpPr>
+          <p:nvPr>
+            <p:ph type="ftr" sz="quarter" idx="11"/>
+          </p:nvPr>
+        </p:nvSpPr>
+        <p:spPr>
+          <a:xfrm>
+            <a:off x="808523" y="6236208"/>
+            <a:ext cx="5103729" cy="320040"/>
+          </a:xfrm>
+        </p:spPr>
+        <p:txBody>
+          <a:bodyPr/>
+          <a:lstStyle>
+            <a:lvl1pPr>
+              <a:defRPr>
+                <a:solidFill>
+                  <a:srgbClr val="FFFFFF">
+                    <a:alpha val="70000"/>
+                  </a:srgbClr>
+                </a:solidFill>
+              </a:defRPr>
+            </a:lvl1pPr>
+          </a:lstStyle>
+          <a:p>
+            <a:endParaRPr lang="ru-RU"/>
+          </a:p>
+        </p:txBody>
+      </p:sp>
+      <p:sp>
+        <p:nvSpPr>
+          <p:cNvPr id="7" name="Slide Number Placeholder 6"/>
+          <p:cNvSpPr>
+            <a:spLocks noGrp="1"/>
+          </p:cNvSpPr>
+          <p:nvPr>
+            <p:ph type="sldNum" sz="quarter" idx="12"/>
+          </p:nvPr>
+        </p:nvSpPr>
+        <p:spPr/>
+        <p:txBody>
+          <a:bodyPr/>
+          <a:lstStyle/>
+          <a:p>
+            <a:fld id="{14F592FB-272A-4C2F-8F00-FF7E2BA78CD7}" type="slidenum">
+              <a:rPr lang="ru-RU" smtClean="0"/>
+              <a:t>‹#›</a:t>
+            </a:fld>
+            <a:endParaRPr lang="ru-RU"/>
+          </a:p>
+        </p:txBody>
+      </p:sp>
+    </p:spTree>
+    <p:extLst>
+      <p:ext uri="{BB962C8B-B14F-4D97-AF65-F5344CB8AC3E}">
+        <p14:creationId xmlns:p14="http://schemas.microsoft.com/office/powerpoint/2010/main" val="2532679696"/>
+      </p:ext>
+    </p:extLst>
+  </p:cSld>
+  <p:clrMapOvr>
+    <a:masterClrMapping/>
+  </p:clrMapOvr>
+</p:sldLayout>
+</file>
+
+<file path=ppt/slideLayouts/slideLayout32.xml><?xml version="1.0" encoding="utf-8"?>
+<p:sldLayout xmlns:a="http://schemas.openxmlformats.org/drawingml/2006/main" xmlns:r="http://schemas.openxmlformats.org/officeDocument/2006/relationships" xmlns:p="http://schemas.openxmlformats.org/presentationml/2006/main" type="vertTx" preserve="1">
+  <p:cSld name="Заголовок и вертикальный текст">
+    <p:spTree>
+      <p:nvGrpSpPr>
+        <p:cNvPr id="1" name=""/>
+        <p:cNvGrpSpPr/>
+        <p:nvPr/>
+      </p:nvGrpSpPr>
+      <p:grpSpPr>
+        <a:xfrm>
+          <a:off x="0" y="0"/>
+          <a:ext cx="0" cy="0"/>
+          <a:chOff x="0" y="0"/>
+          <a:chExt cx="0" cy="0"/>
+        </a:xfrm>
+      </p:grpSpPr>
+      <p:sp>
+        <p:nvSpPr>
+          <p:cNvPr id="2" name="Title 1"/>
+          <p:cNvSpPr>
+            <a:spLocks noGrp="1"/>
+          </p:cNvSpPr>
+          <p:nvPr>
+            <p:ph type="title"/>
+          </p:nvPr>
+        </p:nvSpPr>
+        <p:spPr/>
+        <p:txBody>
+          <a:bodyPr/>
+          <a:lstStyle/>
+          <a:p>
+            <a:r>
+              <a:rPr lang="ru-RU" smtClean="0"/>
+              <a:t>Образец заголовка</a:t>
+            </a:r>
+            <a:endParaRPr lang="en-US" dirty="0"/>
+          </a:p>
+        </p:txBody>
+      </p:sp>
+      <p:sp>
+        <p:nvSpPr>
+          <p:cNvPr id="3" name="Vertical Text Placeholder 2"/>
+          <p:cNvSpPr>
+            <a:spLocks noGrp="1"/>
+          </p:cNvSpPr>
+          <p:nvPr>
+            <p:ph type="body" orient="vert" idx="1"/>
+          </p:nvPr>
+        </p:nvSpPr>
+        <p:spPr/>
+        <p:txBody>
+          <a:bodyPr vert="eaVert"/>
+          <a:lstStyle/>
+          <a:p>
+            <a:pPr lvl="0"/>
+            <a:r>
+              <a:rPr lang="ru-RU" smtClean="0"/>
+              <a:t>Образец текста</a:t>
+            </a:r>
+          </a:p>
+          <a:p>
+            <a:pPr lvl="1"/>
+            <a:r>
+              <a:rPr lang="ru-RU" smtClean="0"/>
+              <a:t>Второй уровень</a:t>
+            </a:r>
+          </a:p>
+          <a:p>
+            <a:pPr lvl="2"/>
+            <a:r>
+              <a:rPr lang="ru-RU" smtClean="0"/>
+              <a:t>Третий уровень</a:t>
+            </a:r>
+          </a:p>
+          <a:p>
+            <a:pPr lvl="3"/>
+            <a:r>
+              <a:rPr lang="ru-RU" smtClean="0"/>
+              <a:t>Четвертый уровень</a:t>
+            </a:r>
+          </a:p>
+          <a:p>
+            <a:pPr lvl="4"/>
+            <a:r>
+              <a:rPr lang="ru-RU" smtClean="0"/>
+              <a:t>Пятый уровень</a:t>
+            </a:r>
+            <a:endParaRPr lang="en-US" dirty="0"/>
+          </a:p>
+        </p:txBody>
+      </p:sp>
+      <p:sp>
+        <p:nvSpPr>
+          <p:cNvPr id="4" name="Date Placeholder 3"/>
+          <p:cNvSpPr>
+            <a:spLocks noGrp="1"/>
+          </p:cNvSpPr>
+          <p:nvPr>
+            <p:ph type="dt" sz="half" idx="10"/>
+          </p:nvPr>
+        </p:nvSpPr>
+        <p:spPr/>
+        <p:txBody>
+          <a:bodyPr/>
+          <a:lstStyle/>
+          <a:p>
+            <a:fld id="{35D37C0B-111D-4CEC-9674-9C198D2E94E7}" type="datetimeFigureOut">
+              <a:rPr lang="ru-RU" smtClean="0"/>
+              <a:t>18.02.2025</a:t>
+            </a:fld>
+            <a:endParaRPr lang="ru-RU"/>
+          </a:p>
+        </p:txBody>
+      </p:sp>
+      <p:sp>
+        <p:nvSpPr>
+          <p:cNvPr id="5" name="Footer Placeholder 4"/>
+          <p:cNvSpPr>
+            <a:spLocks noGrp="1"/>
+          </p:cNvSpPr>
+          <p:nvPr>
+            <p:ph type="ftr" sz="quarter" idx="11"/>
+          </p:nvPr>
+        </p:nvSpPr>
+        <p:spPr/>
+        <p:txBody>
+          <a:bodyPr/>
+          <a:lstStyle/>
+          <a:p>
+            <a:endParaRPr lang="ru-RU"/>
+          </a:p>
+        </p:txBody>
+      </p:sp>
+      <p:sp>
+        <p:nvSpPr>
+          <p:cNvPr id="6" name="Slide Number Placeholder 5"/>
+          <p:cNvSpPr>
+            <a:spLocks noGrp="1"/>
+          </p:cNvSpPr>
+          <p:nvPr>
+            <p:ph type="sldNum" sz="quarter" idx="12"/>
+          </p:nvPr>
+        </p:nvSpPr>
+        <p:spPr/>
+        <p:txBody>
+          <a:bodyPr/>
+          <a:lstStyle/>
+          <a:p>
+            <a:fld id="{14F592FB-272A-4C2F-8F00-FF7E2BA78CD7}" type="slidenum">
+              <a:rPr lang="ru-RU" smtClean="0"/>
+              <a:t>‹#›</a:t>
+            </a:fld>
+            <a:endParaRPr lang="ru-RU"/>
+          </a:p>
+        </p:txBody>
+      </p:sp>
+    </p:spTree>
+    <p:extLst>
+      <p:ext uri="{BB962C8B-B14F-4D97-AF65-F5344CB8AC3E}">
+        <p14:creationId xmlns:p14="http://schemas.microsoft.com/office/powerpoint/2010/main" val="3843099261"/>
+      </p:ext>
+    </p:extLst>
+  </p:cSld>
+  <p:clrMapOvr>
+    <a:masterClrMapping/>
+  </p:clrMapOvr>
+</p:sldLayout>
+</file>
+
+<file path=ppt/slideLayouts/slideLayout33.xml><?xml version="1.0" encoding="utf-8"?>
+<p:sldLayout xmlns:a="http://schemas.openxmlformats.org/drawingml/2006/main" xmlns:r="http://schemas.openxmlformats.org/officeDocument/2006/relationships" xmlns:p="http://schemas.openxmlformats.org/presentationml/2006/main" type="vertTitleAndTx" preserve="1">
+  <p:cSld name="Вертикальный заголовок и текст">
+    <p:spTree>
+      <p:nvGrpSpPr>
+        <p:cNvPr id="1" name=""/>
+        <p:cNvGrpSpPr/>
+        <p:nvPr/>
+      </p:nvGrpSpPr>
+      <p:grpSpPr>
+        <a:xfrm>
+          <a:off x="0" y="0"/>
+          <a:ext cx="0" cy="0"/>
+          <a:chOff x="0" y="0"/>
+          <a:chExt cx="0" cy="0"/>
+        </a:xfrm>
+      </p:grpSpPr>
+      <p:sp>
+        <p:nvSpPr>
+          <p:cNvPr id="2" name="Vertical Title 1"/>
+          <p:cNvSpPr>
+            <a:spLocks noGrp="1"/>
+          </p:cNvSpPr>
+          <p:nvPr>
+            <p:ph type="title" orient="vert"/>
+          </p:nvPr>
+        </p:nvSpPr>
+        <p:spPr>
+          <a:xfrm>
+            <a:off x="8653112" y="937260"/>
+            <a:ext cx="1298608" cy="4983480"/>
+          </a:xfrm>
+        </p:spPr>
+        <p:txBody>
+          <a:bodyPr vert="eaVert"/>
+          <a:lstStyle/>
+          <a:p>
+            <a:r>
+              <a:rPr lang="ru-RU" smtClean="0"/>
+              <a:t>Образец заголовка</a:t>
+            </a:r>
+            <a:endParaRPr lang="en-US" dirty="0"/>
+          </a:p>
+        </p:txBody>
+      </p:sp>
+      <p:sp>
+        <p:nvSpPr>
+          <p:cNvPr id="3" name="Vertical Text Placeholder 2"/>
+          <p:cNvSpPr>
+            <a:spLocks noGrp="1"/>
+          </p:cNvSpPr>
+          <p:nvPr>
+            <p:ph type="body" orient="vert" idx="1"/>
+          </p:nvPr>
+        </p:nvSpPr>
+        <p:spPr>
+          <a:xfrm>
+            <a:off x="2231136" y="937260"/>
+            <a:ext cx="6198489" cy="4983480"/>
+          </a:xfrm>
+        </p:spPr>
+        <p:txBody>
+          <a:bodyPr vert="eaVert"/>
+          <a:lstStyle/>
+          <a:p>
+            <a:pPr lvl="0"/>
+            <a:r>
+              <a:rPr lang="ru-RU" smtClean="0"/>
+              <a:t>Образец текста</a:t>
+            </a:r>
+          </a:p>
+          <a:p>
+            <a:pPr lvl="1"/>
+            <a:r>
+              <a:rPr lang="ru-RU" smtClean="0"/>
+              <a:t>Второй уровень</a:t>
+            </a:r>
+          </a:p>
+          <a:p>
+            <a:pPr lvl="2"/>
+            <a:r>
+              <a:rPr lang="ru-RU" smtClean="0"/>
+              <a:t>Третий уровень</a:t>
+            </a:r>
+          </a:p>
+          <a:p>
+            <a:pPr lvl="3"/>
+            <a:r>
+              <a:rPr lang="ru-RU" smtClean="0"/>
+              <a:t>Четвертый уровень</a:t>
+            </a:r>
+          </a:p>
+          <a:p>
+            <a:pPr lvl="4"/>
+            <a:r>
+              <a:rPr lang="ru-RU" smtClean="0"/>
+              <a:t>Пятый уровень</a:t>
+            </a:r>
+            <a:endParaRPr lang="en-US" dirty="0"/>
+          </a:p>
+        </p:txBody>
+      </p:sp>
+      <p:sp>
+        <p:nvSpPr>
+          <p:cNvPr id="4" name="Date Placeholder 3"/>
+          <p:cNvSpPr>
+            <a:spLocks noGrp="1"/>
+          </p:cNvSpPr>
+          <p:nvPr>
+            <p:ph type="dt" sz="half" idx="10"/>
+          </p:nvPr>
+        </p:nvSpPr>
+        <p:spPr/>
+        <p:txBody>
+          <a:bodyPr/>
+          <a:lstStyle/>
+          <a:p>
+            <a:fld id="{35D37C0B-111D-4CEC-9674-9C198D2E94E7}" type="datetimeFigureOut">
+              <a:rPr lang="ru-RU" smtClean="0"/>
+              <a:t>18.02.2025</a:t>
+            </a:fld>
+            <a:endParaRPr lang="ru-RU"/>
+          </a:p>
+        </p:txBody>
+      </p:sp>
+      <p:sp>
+        <p:nvSpPr>
+          <p:cNvPr id="5" name="Footer Placeholder 4"/>
+          <p:cNvSpPr>
+            <a:spLocks noGrp="1"/>
+          </p:cNvSpPr>
+          <p:nvPr>
+            <p:ph type="ftr" sz="quarter" idx="11"/>
+          </p:nvPr>
+        </p:nvSpPr>
+        <p:spPr/>
+        <p:txBody>
+          <a:bodyPr/>
+          <a:lstStyle/>
+          <a:p>
+            <a:endParaRPr lang="ru-RU"/>
+          </a:p>
+        </p:txBody>
+      </p:sp>
+      <p:sp>
+        <p:nvSpPr>
+          <p:cNvPr id="6" name="Slide Number Placeholder 5"/>
+          <p:cNvSpPr>
+            <a:spLocks noGrp="1"/>
+          </p:cNvSpPr>
+          <p:nvPr>
+            <p:ph type="sldNum" sz="quarter" idx="12"/>
+          </p:nvPr>
+        </p:nvSpPr>
+        <p:spPr/>
+        <p:txBody>
+          <a:bodyPr/>
+          <a:lstStyle/>
+          <a:p>
+            <a:fld id="{14F592FB-272A-4C2F-8F00-FF7E2BA78CD7}" type="slidenum">
+              <a:rPr lang="ru-RU" smtClean="0"/>
+              <a:t>‹#›</a:t>
+            </a:fld>
+            <a:endParaRPr lang="ru-RU"/>
+          </a:p>
+        </p:txBody>
+      </p:sp>
+    </p:spTree>
+    <p:extLst>
+      <p:ext uri="{BB962C8B-B14F-4D97-AF65-F5344CB8AC3E}">
+        <p14:creationId xmlns:p14="http://schemas.microsoft.com/office/powerpoint/2010/main" val="1669427627"/>
+      </p:ext>
+    </p:extLst>
+  </p:cSld>
+  <p:clrMapOvr>
+    <a:masterClrMapping/>
   </p:clrMapOvr>
 </p:sldLayout>
 </file>
@@ -10295,6 +12859,607 @@
 </p:sldMaster>
 </file>
 
+<file path=ppt/slideMasters/slideMaster3.xml><?xml version="1.0" encoding="utf-8"?>
+<p:sldMaster xmlns:a="http://schemas.openxmlformats.org/drawingml/2006/main" xmlns:r="http://schemas.openxmlformats.org/officeDocument/2006/relationships" xmlns:p="http://schemas.openxmlformats.org/presentationml/2006/main">
+  <p:cSld>
+    <p:bg>
+      <p:bgRef idx="1001">
+        <a:schemeClr val="bg2"/>
+      </p:bgRef>
+    </p:bg>
+    <p:spTree>
+      <p:nvGrpSpPr>
+        <p:cNvPr id="1" name=""/>
+        <p:cNvGrpSpPr/>
+        <p:nvPr/>
+      </p:nvGrpSpPr>
+      <p:grpSpPr>
+        <a:xfrm>
+          <a:off x="0" y="0"/>
+          <a:ext cx="0" cy="0"/>
+          <a:chOff x="0" y="0"/>
+          <a:chExt cx="0" cy="0"/>
+        </a:xfrm>
+      </p:grpSpPr>
+      <p:sp>
+        <p:nvSpPr>
+          <p:cNvPr id="2" name="Title Placeholder 1"/>
+          <p:cNvSpPr>
+            <a:spLocks noGrp="1"/>
+          </p:cNvSpPr>
+          <p:nvPr>
+            <p:ph type="title"/>
+          </p:nvPr>
+        </p:nvSpPr>
+        <p:spPr>
+          <a:xfrm>
+            <a:off x="2231136" y="964692"/>
+            <a:ext cx="7729728" cy="1188720"/>
+          </a:xfrm>
+          <a:prstGeom prst="rect">
+            <a:avLst/>
+          </a:prstGeom>
+          <a:solidFill>
+            <a:schemeClr val="bg1"/>
+          </a:solidFill>
+          <a:ln w="31750" cap="sq">
+            <a:solidFill>
+              <a:schemeClr val="tx1">
+                <a:lumMod val="75000"/>
+                <a:lumOff val="25000"/>
+              </a:schemeClr>
+            </a:solidFill>
+            <a:miter lim="800000"/>
+          </a:ln>
+        </p:spPr>
+        <p:txBody>
+          <a:bodyPr vert="horz" lIns="182880" tIns="182880" rIns="182880" bIns="182880" rtlCol="0" anchor="ctr">
+            <a:normAutofit/>
+          </a:bodyPr>
+          <a:lstStyle/>
+          <a:p>
+            <a:r>
+              <a:rPr lang="ru-RU" smtClean="0"/>
+              <a:t>Образец заголовка</a:t>
+            </a:r>
+            <a:endParaRPr lang="en-US" dirty="0"/>
+          </a:p>
+        </p:txBody>
+      </p:sp>
+      <p:sp>
+        <p:nvSpPr>
+          <p:cNvPr id="3" name="Text Placeholder 2"/>
+          <p:cNvSpPr>
+            <a:spLocks noGrp="1"/>
+          </p:cNvSpPr>
+          <p:nvPr>
+            <p:ph type="body" idx="1"/>
+          </p:nvPr>
+        </p:nvSpPr>
+        <p:spPr>
+          <a:xfrm>
+            <a:off x="2231136" y="2638044"/>
+            <a:ext cx="7729728" cy="3101983"/>
+          </a:xfrm>
+          <a:prstGeom prst="rect">
+            <a:avLst/>
+          </a:prstGeom>
+        </p:spPr>
+        <p:txBody>
+          <a:bodyPr vert="horz" lIns="91440" tIns="45720" rIns="91440" bIns="45720" rtlCol="0">
+            <a:normAutofit/>
+          </a:bodyPr>
+          <a:lstStyle/>
+          <a:p>
+            <a:pPr lvl="0"/>
+            <a:r>
+              <a:rPr lang="en-US" dirty="0"/>
+              <a:t>Edit Master text styles</a:t>
+            </a:r>
+          </a:p>
+          <a:p>
+            <a:pPr lvl="1"/>
+            <a:r>
+              <a:rPr lang="en-US" dirty="0"/>
+              <a:t>Second level</a:t>
+            </a:r>
+          </a:p>
+          <a:p>
+            <a:pPr lvl="2"/>
+            <a:r>
+              <a:rPr lang="en-US" dirty="0"/>
+              <a:t>Third level</a:t>
+            </a:r>
+          </a:p>
+          <a:p>
+            <a:pPr lvl="3"/>
+            <a:r>
+              <a:rPr lang="en-US" dirty="0"/>
+              <a:t>Fourth level</a:t>
+            </a:r>
+          </a:p>
+          <a:p>
+            <a:pPr lvl="4"/>
+            <a:r>
+              <a:rPr lang="en-US" dirty="0"/>
+              <a:t>Fifth level</a:t>
+            </a:r>
+          </a:p>
+        </p:txBody>
+      </p:sp>
+      <p:sp>
+        <p:nvSpPr>
+          <p:cNvPr id="4" name="Date Placeholder 3"/>
+          <p:cNvSpPr>
+            <a:spLocks noGrp="1"/>
+          </p:cNvSpPr>
+          <p:nvPr>
+            <p:ph type="dt" sz="half" idx="2"/>
+          </p:nvPr>
+        </p:nvSpPr>
+        <p:spPr>
+          <a:xfrm>
+            <a:off x="7821429" y="6238816"/>
+            <a:ext cx="2753746" cy="323968"/>
+          </a:xfrm>
+          <a:prstGeom prst="rect">
+            <a:avLst/>
+          </a:prstGeom>
+        </p:spPr>
+        <p:txBody>
+          <a:bodyPr vert="horz" lIns="91440" tIns="45720" rIns="91440" bIns="45720" rtlCol="0" anchor="ctr"/>
+          <a:lstStyle>
+            <a:lvl1pPr algn="r">
+              <a:defRPr sz="1050">
+                <a:solidFill>
+                  <a:schemeClr val="tx1">
+                    <a:alpha val="70000"/>
+                  </a:schemeClr>
+                </a:solidFill>
+              </a:defRPr>
+            </a:lvl1pPr>
+          </a:lstStyle>
+          <a:p>
+            <a:fld id="{35D37C0B-111D-4CEC-9674-9C198D2E94E7}" type="datetimeFigureOut">
+              <a:rPr lang="ru-RU" smtClean="0"/>
+              <a:t>18.02.2025</a:t>
+            </a:fld>
+            <a:endParaRPr lang="ru-RU"/>
+          </a:p>
+        </p:txBody>
+      </p:sp>
+      <p:sp>
+        <p:nvSpPr>
+          <p:cNvPr id="5" name="Footer Placeholder 4"/>
+          <p:cNvSpPr>
+            <a:spLocks noGrp="1"/>
+          </p:cNvSpPr>
+          <p:nvPr>
+            <p:ph type="ftr" sz="quarter" idx="3"/>
+          </p:nvPr>
+        </p:nvSpPr>
+        <p:spPr>
+          <a:xfrm>
+            <a:off x="1600200" y="6236208"/>
+            <a:ext cx="5901189" cy="320040"/>
+          </a:xfrm>
+          <a:prstGeom prst="rect">
+            <a:avLst/>
+          </a:prstGeom>
+        </p:spPr>
+        <p:txBody>
+          <a:bodyPr vert="horz" lIns="91440" tIns="45720" rIns="91440" bIns="45720" rtlCol="0" anchor="ctr"/>
+          <a:lstStyle>
+            <a:lvl1pPr algn="l">
+              <a:defRPr sz="1050">
+                <a:solidFill>
+                  <a:schemeClr val="tx1">
+                    <a:alpha val="70000"/>
+                  </a:schemeClr>
+                </a:solidFill>
+              </a:defRPr>
+            </a:lvl1pPr>
+          </a:lstStyle>
+          <a:p>
+            <a:endParaRPr lang="ru-RU"/>
+          </a:p>
+        </p:txBody>
+      </p:sp>
+      <p:sp>
+        <p:nvSpPr>
+          <p:cNvPr id="6" name="Slide Number Placeholder 5"/>
+          <p:cNvSpPr>
+            <a:spLocks noGrp="1"/>
+          </p:cNvSpPr>
+          <p:nvPr>
+            <p:ph type="sldNum" sz="quarter" idx="4"/>
+          </p:nvPr>
+        </p:nvSpPr>
+        <p:spPr>
+          <a:xfrm>
+            <a:off x="10758922" y="6217920"/>
+            <a:ext cx="365760" cy="365760"/>
+          </a:xfrm>
+          <a:prstGeom prst="ellipse">
+            <a:avLst/>
+          </a:prstGeom>
+          <a:solidFill>
+            <a:srgbClr val="1D1D1D">
+              <a:alpha val="70000"/>
+            </a:srgbClr>
+          </a:solidFill>
+        </p:spPr>
+        <p:txBody>
+          <a:bodyPr vert="horz" lIns="18288" tIns="45720" rIns="18288" bIns="45720" rtlCol="0" anchor="ctr">
+            <a:noAutofit/>
+          </a:bodyPr>
+          <a:lstStyle>
+            <a:lvl1pPr algn="ctr">
+              <a:defRPr sz="1100" spc="0" baseline="0">
+                <a:solidFill>
+                  <a:srgbClr val="FFFFFF"/>
+                </a:solidFill>
+              </a:defRPr>
+            </a:lvl1pPr>
+          </a:lstStyle>
+          <a:p>
+            <a:fld id="{14F592FB-272A-4C2F-8F00-FF7E2BA78CD7}" type="slidenum">
+              <a:rPr lang="ru-RU" smtClean="0"/>
+              <a:t>‹#›</a:t>
+            </a:fld>
+            <a:endParaRPr lang="ru-RU"/>
+          </a:p>
+        </p:txBody>
+      </p:sp>
+    </p:spTree>
+    <p:extLst>
+      <p:ext uri="{BB962C8B-B14F-4D97-AF65-F5344CB8AC3E}">
+        <p14:creationId xmlns:p14="http://schemas.microsoft.com/office/powerpoint/2010/main" val="334215772"/>
+      </p:ext>
+    </p:extLst>
+  </p:cSld>
+  <p:clrMap bg1="lt1" tx1="dk1" bg2="lt2" tx2="dk2" accent1="accent1" accent2="accent2" accent3="accent3" accent4="accent4" accent5="accent5" accent6="accent6" hlink="hlink" folHlink="folHlink"/>
+  <p:sldLayoutIdLst>
+    <p:sldLayoutId id="2147483774" r:id="rId1"/>
+    <p:sldLayoutId id="2147483775" r:id="rId2"/>
+    <p:sldLayoutId id="2147483776" r:id="rId3"/>
+    <p:sldLayoutId id="2147483777" r:id="rId4"/>
+    <p:sldLayoutId id="2147483778" r:id="rId5"/>
+    <p:sldLayoutId id="2147483779" r:id="rId6"/>
+    <p:sldLayoutId id="2147483780" r:id="rId7"/>
+    <p:sldLayoutId id="2147483781" r:id="rId8"/>
+    <p:sldLayoutId id="2147483782" r:id="rId9"/>
+    <p:sldLayoutId id="2147483783" r:id="rId10"/>
+    <p:sldLayoutId id="2147483784" r:id="rId11"/>
+  </p:sldLayoutIdLst>
+  <p:txStyles>
+    <p:titleStyle>
+      <a:lvl1pPr algn="ctr" defTabSz="914400" rtl="0" eaLnBrk="1" latinLnBrk="0" hangingPunct="1">
+        <a:lnSpc>
+          <a:spcPct val="90000"/>
+        </a:lnSpc>
+        <a:spcBef>
+          <a:spcPct val="0"/>
+        </a:spcBef>
+        <a:buNone/>
+        <a:defRPr sz="2800" kern="1200" cap="all" spc="200" baseline="0">
+          <a:solidFill>
+            <a:schemeClr val="tx1">
+              <a:lumMod val="85000"/>
+              <a:lumOff val="15000"/>
+            </a:schemeClr>
+          </a:solidFill>
+          <a:latin typeface="+mj-lt"/>
+          <a:ea typeface="+mj-ea"/>
+          <a:cs typeface="+mj-cs"/>
+        </a:defRPr>
+      </a:lvl1pPr>
+    </p:titleStyle>
+    <p:bodyStyle>
+      <a:lvl1pPr marL="228600" indent="-228600" algn="l" defTabSz="914400" rtl="0" eaLnBrk="1" latinLnBrk="0" hangingPunct="1">
+        <a:lnSpc>
+          <a:spcPct val="100000"/>
+        </a:lnSpc>
+        <a:spcBef>
+          <a:spcPts val="1000"/>
+        </a:spcBef>
+        <a:buClr>
+          <a:schemeClr val="accent2"/>
+        </a:buClr>
+        <a:buFont typeface="Arial" panose="020B0604020202020204" pitchFamily="34" charset="0"/>
+        <a:buChar char="•"/>
+        <a:defRPr sz="1800" kern="1200">
+          <a:solidFill>
+            <a:schemeClr val="tx1">
+              <a:lumMod val="85000"/>
+              <a:lumOff val="15000"/>
+            </a:schemeClr>
+          </a:solidFill>
+          <a:latin typeface="+mn-lt"/>
+          <a:ea typeface="+mn-ea"/>
+          <a:cs typeface="+mn-cs"/>
+        </a:defRPr>
+      </a:lvl1pPr>
+      <a:lvl2pPr marL="457200" indent="-228600" algn="l" defTabSz="914400" rtl="0" eaLnBrk="1" latinLnBrk="0" hangingPunct="1">
+        <a:lnSpc>
+          <a:spcPct val="100000"/>
+        </a:lnSpc>
+        <a:spcBef>
+          <a:spcPts val="1000"/>
+        </a:spcBef>
+        <a:buClr>
+          <a:schemeClr val="accent2"/>
+        </a:buClr>
+        <a:buFont typeface="Arial" panose="020B0604020202020204" pitchFamily="34" charset="0"/>
+        <a:buChar char="•"/>
+        <a:defRPr sz="1600" kern="1200">
+          <a:solidFill>
+            <a:schemeClr val="tx1">
+              <a:lumMod val="85000"/>
+              <a:lumOff val="15000"/>
+            </a:schemeClr>
+          </a:solidFill>
+          <a:latin typeface="+mn-lt"/>
+          <a:ea typeface="+mn-ea"/>
+          <a:cs typeface="+mn-cs"/>
+        </a:defRPr>
+      </a:lvl2pPr>
+      <a:lvl3pPr marL="685800" indent="-228600" algn="l" defTabSz="914400" rtl="0" eaLnBrk="1" latinLnBrk="0" hangingPunct="1">
+        <a:lnSpc>
+          <a:spcPct val="100000"/>
+        </a:lnSpc>
+        <a:spcBef>
+          <a:spcPts val="1000"/>
+        </a:spcBef>
+        <a:buClr>
+          <a:schemeClr val="accent2"/>
+        </a:buClr>
+        <a:buFont typeface="Arial" panose="020B0604020202020204" pitchFamily="34" charset="0"/>
+        <a:buChar char="•"/>
+        <a:defRPr sz="1600" kern="1200">
+          <a:solidFill>
+            <a:schemeClr val="tx1">
+              <a:lumMod val="85000"/>
+              <a:lumOff val="15000"/>
+            </a:schemeClr>
+          </a:solidFill>
+          <a:latin typeface="+mn-lt"/>
+          <a:ea typeface="+mn-ea"/>
+          <a:cs typeface="+mn-cs"/>
+        </a:defRPr>
+      </a:lvl3pPr>
+      <a:lvl4pPr marL="914400" indent="-228600" algn="l" defTabSz="914400" rtl="0" eaLnBrk="1" latinLnBrk="0" hangingPunct="1">
+        <a:lnSpc>
+          <a:spcPct val="100000"/>
+        </a:lnSpc>
+        <a:spcBef>
+          <a:spcPts val="1000"/>
+        </a:spcBef>
+        <a:buClr>
+          <a:schemeClr val="accent2"/>
+        </a:buClr>
+        <a:buFont typeface="Arial" panose="020B0604020202020204" pitchFamily="34" charset="0"/>
+        <a:buChar char="•"/>
+        <a:defRPr sz="1600" kern="1200">
+          <a:solidFill>
+            <a:schemeClr val="tx1">
+              <a:lumMod val="85000"/>
+              <a:lumOff val="15000"/>
+            </a:schemeClr>
+          </a:solidFill>
+          <a:latin typeface="+mn-lt"/>
+          <a:ea typeface="+mn-ea"/>
+          <a:cs typeface="+mn-cs"/>
+        </a:defRPr>
+      </a:lvl4pPr>
+      <a:lvl5pPr marL="1143000" indent="-228600" algn="l" defTabSz="914400" rtl="0" eaLnBrk="1" latinLnBrk="0" hangingPunct="1">
+        <a:lnSpc>
+          <a:spcPct val="100000"/>
+        </a:lnSpc>
+        <a:spcBef>
+          <a:spcPts val="1000"/>
+        </a:spcBef>
+        <a:buClr>
+          <a:schemeClr val="accent2"/>
+        </a:buClr>
+        <a:buFont typeface="Arial" panose="020B0604020202020204" pitchFamily="34" charset="0"/>
+        <a:buChar char="•"/>
+        <a:defRPr sz="1600" kern="1200">
+          <a:solidFill>
+            <a:schemeClr val="tx1">
+              <a:lumMod val="85000"/>
+              <a:lumOff val="15000"/>
+            </a:schemeClr>
+          </a:solidFill>
+          <a:latin typeface="+mn-lt"/>
+          <a:ea typeface="+mn-ea"/>
+          <a:cs typeface="+mn-cs"/>
+        </a:defRPr>
+      </a:lvl5pPr>
+      <a:lvl6pPr marL="1312863" indent="-228600" algn="l" defTabSz="914400" rtl="0" eaLnBrk="1" latinLnBrk="0" hangingPunct="1">
+        <a:lnSpc>
+          <a:spcPct val="100000"/>
+        </a:lnSpc>
+        <a:spcBef>
+          <a:spcPts val="1000"/>
+        </a:spcBef>
+        <a:buClr>
+          <a:schemeClr val="accent2"/>
+        </a:buClr>
+        <a:buFont typeface="Arial" panose="020B0604020202020204" pitchFamily="34" charset="0"/>
+        <a:buChar char="•"/>
+        <a:defRPr sz="1600" kern="1200">
+          <a:solidFill>
+            <a:schemeClr val="tx1"/>
+          </a:solidFill>
+          <a:latin typeface="+mn-lt"/>
+          <a:ea typeface="+mn-ea"/>
+          <a:cs typeface="+mn-cs"/>
+        </a:defRPr>
+      </a:lvl6pPr>
+      <a:lvl7pPr marL="1484313" indent="-228600" algn="l" defTabSz="914400" rtl="0" eaLnBrk="1" latinLnBrk="0" hangingPunct="1">
+        <a:lnSpc>
+          <a:spcPct val="100000"/>
+        </a:lnSpc>
+        <a:spcBef>
+          <a:spcPts val="1000"/>
+        </a:spcBef>
+        <a:buClr>
+          <a:schemeClr val="accent2"/>
+        </a:buClr>
+        <a:buFont typeface="Arial" panose="020B0604020202020204" pitchFamily="34" charset="0"/>
+        <a:buChar char="•"/>
+        <a:defRPr sz="1600" kern="1200">
+          <a:solidFill>
+            <a:schemeClr val="tx1"/>
+          </a:solidFill>
+          <a:latin typeface="+mn-lt"/>
+          <a:ea typeface="+mn-ea"/>
+          <a:cs typeface="+mn-cs"/>
+        </a:defRPr>
+      </a:lvl7pPr>
+      <a:lvl8pPr marL="1657350" indent="-228600" algn="l" defTabSz="914400" rtl="0" eaLnBrk="1" latinLnBrk="0" hangingPunct="1">
+        <a:lnSpc>
+          <a:spcPct val="100000"/>
+        </a:lnSpc>
+        <a:spcBef>
+          <a:spcPts val="1000"/>
+        </a:spcBef>
+        <a:buClr>
+          <a:schemeClr val="accent2"/>
+        </a:buClr>
+        <a:buFont typeface="Arial" panose="020B0604020202020204" pitchFamily="34" charset="0"/>
+        <a:buChar char="•"/>
+        <a:defRPr sz="1600" kern="1200" baseline="0">
+          <a:solidFill>
+            <a:schemeClr val="tx1"/>
+          </a:solidFill>
+          <a:latin typeface="+mn-lt"/>
+          <a:ea typeface="+mn-ea"/>
+          <a:cs typeface="+mn-cs"/>
+        </a:defRPr>
+      </a:lvl8pPr>
+      <a:lvl9pPr marL="1882775" indent="-228600" algn="l" defTabSz="914400" rtl="0" eaLnBrk="1" latinLnBrk="0" hangingPunct="1">
+        <a:lnSpc>
+          <a:spcPct val="100000"/>
+        </a:lnSpc>
+        <a:spcBef>
+          <a:spcPts val="1000"/>
+        </a:spcBef>
+        <a:buClr>
+          <a:schemeClr val="accent2"/>
+        </a:buClr>
+        <a:buFont typeface="Arial" panose="020B0604020202020204" pitchFamily="34" charset="0"/>
+        <a:buChar char="•"/>
+        <a:defRPr sz="1600" kern="1200" baseline="0">
+          <a:solidFill>
+            <a:schemeClr val="tx1"/>
+          </a:solidFill>
+          <a:latin typeface="+mn-lt"/>
+          <a:ea typeface="+mn-ea"/>
+          <a:cs typeface="+mn-cs"/>
+        </a:defRPr>
+      </a:lvl9pPr>
+    </p:bodyStyle>
+    <p:otherStyle>
+      <a:defPPr>
+        <a:defRPr lang="en-US"/>
+      </a:defPPr>
+      <a:lvl1pPr marL="0" algn="l" defTabSz="914400" rtl="0" eaLnBrk="1" latinLnBrk="0" hangingPunct="1">
+        <a:defRPr sz="1800" kern="1200">
+          <a:solidFill>
+            <a:schemeClr val="tx1"/>
+          </a:solidFill>
+          <a:latin typeface="+mn-lt"/>
+          <a:ea typeface="+mn-ea"/>
+          <a:cs typeface="+mn-cs"/>
+        </a:defRPr>
+      </a:lvl1pPr>
+      <a:lvl2pPr marL="457200" algn="l" defTabSz="914400" rtl="0" eaLnBrk="1" latinLnBrk="0" hangingPunct="1">
+        <a:defRPr sz="1800" kern="1200">
+          <a:solidFill>
+            <a:schemeClr val="tx1"/>
+          </a:solidFill>
+          <a:latin typeface="+mn-lt"/>
+          <a:ea typeface="+mn-ea"/>
+          <a:cs typeface="+mn-cs"/>
+        </a:defRPr>
+      </a:lvl2pPr>
+      <a:lvl3pPr marL="914400" algn="l" defTabSz="914400" rtl="0" eaLnBrk="1" latinLnBrk="0" hangingPunct="1">
+        <a:defRPr sz="1800" kern="1200">
+          <a:solidFill>
+            <a:schemeClr val="tx1"/>
+          </a:solidFill>
+          <a:latin typeface="+mn-lt"/>
+          <a:ea typeface="+mn-ea"/>
+          <a:cs typeface="+mn-cs"/>
+        </a:defRPr>
+      </a:lvl3pPr>
+      <a:lvl4pPr marL="1371600" algn="l" defTabSz="914400" rtl="0" eaLnBrk="1" latinLnBrk="0" hangingPunct="1">
+        <a:defRPr sz="1800" kern="1200">
+          <a:solidFill>
+            <a:schemeClr val="tx1"/>
+          </a:solidFill>
+          <a:latin typeface="+mn-lt"/>
+          <a:ea typeface="+mn-ea"/>
+          <a:cs typeface="+mn-cs"/>
+        </a:defRPr>
+      </a:lvl4pPr>
+      <a:lvl5pPr marL="1828800" algn="l" defTabSz="914400" rtl="0" eaLnBrk="1" latinLnBrk="0" hangingPunct="1">
+        <a:defRPr sz="1800" kern="1200">
+          <a:solidFill>
+            <a:schemeClr val="tx1"/>
+          </a:solidFill>
+          <a:latin typeface="+mn-lt"/>
+          <a:ea typeface="+mn-ea"/>
+          <a:cs typeface="+mn-cs"/>
+        </a:defRPr>
+      </a:lvl5pPr>
+      <a:lvl6pPr marL="2286000" algn="l" defTabSz="914400" rtl="0" eaLnBrk="1" latinLnBrk="0" hangingPunct="1">
+        <a:defRPr sz="1800" kern="1200">
+          <a:solidFill>
+            <a:schemeClr val="tx1"/>
+          </a:solidFill>
+          <a:latin typeface="+mn-lt"/>
+          <a:ea typeface="+mn-ea"/>
+          <a:cs typeface="+mn-cs"/>
+        </a:defRPr>
+      </a:lvl6pPr>
+      <a:lvl7pPr marL="2743200" algn="l" defTabSz="914400" rtl="0" eaLnBrk="1" latinLnBrk="0" hangingPunct="1">
+        <a:defRPr sz="1800" kern="1200">
+          <a:solidFill>
+            <a:schemeClr val="tx1"/>
+          </a:solidFill>
+          <a:latin typeface="+mn-lt"/>
+          <a:ea typeface="+mn-ea"/>
+          <a:cs typeface="+mn-cs"/>
+        </a:defRPr>
+      </a:lvl7pPr>
+      <a:lvl8pPr marL="3200400" algn="l" defTabSz="914400" rtl="0" eaLnBrk="1" latinLnBrk="0" hangingPunct="1">
+        <a:defRPr sz="1800" kern="1200">
+          <a:solidFill>
+            <a:schemeClr val="tx1"/>
+          </a:solidFill>
+          <a:latin typeface="+mn-lt"/>
+          <a:ea typeface="+mn-ea"/>
+          <a:cs typeface="+mn-cs"/>
+        </a:defRPr>
+      </a:lvl8pPr>
+      <a:lvl9pPr marL="3657600" algn="l" defTabSz="914400" rtl="0" eaLnBrk="1" latinLnBrk="0" hangingPunct="1">
+        <a:defRPr sz="1800" kern="1200">
+          <a:solidFill>
+            <a:schemeClr val="tx1"/>
+          </a:solidFill>
+          <a:latin typeface="+mn-lt"/>
+          <a:ea typeface="+mn-ea"/>
+          <a:cs typeface="+mn-cs"/>
+        </a:defRPr>
+      </a:lvl9pPr>
+    </p:otherStyle>
+  </p:txStyles>
+</p:sldMaster>
+</file>
+
 <file path=ppt/slides/slide1.xml><?xml version="1.0" encoding="utf-8"?>
 <p:sld xmlns:a="http://schemas.openxmlformats.org/drawingml/2006/main" xmlns:r="http://schemas.openxmlformats.org/officeDocument/2006/relationships" xmlns:p="http://schemas.openxmlformats.org/presentationml/2006/main">
   <p:cSld>
@@ -10369,12 +13534,12 @@
   </p:clrMapOvr>
   <mc:AlternateContent xmlns:mc="http://schemas.openxmlformats.org/markup-compatibility/2006">
     <mc:Choice xmlns:p14="http://schemas.microsoft.com/office/powerpoint/2010/main" Requires="p14">
-      <p:transition spd="slow" p14:dur="1500">
+      <p:transition spd="slow" p14:dur="1500" advTm="4000">
         <p:split orient="vert"/>
       </p:transition>
     </mc:Choice>
     <mc:Fallback>
-      <p:transition spd="slow">
+      <p:transition spd="slow" advTm="4000">
         <p:split orient="vert"/>
       </p:transition>
     </mc:Fallback>
@@ -10712,12 +13877,12 @@
   </p:clrMapOvr>
   <mc:AlternateContent xmlns:mc="http://schemas.openxmlformats.org/markup-compatibility/2006">
     <mc:Choice xmlns:p14="http://schemas.microsoft.com/office/powerpoint/2010/main" Requires="p14">
-      <p:transition spd="slow" p14:dur="3400">
+      <p:transition spd="slow" p14:dur="3400" advTm="4000">
         <p14:reveal/>
       </p:transition>
     </mc:Choice>
     <mc:Fallback>
-      <p:transition spd="slow">
+      <p:transition spd="slow" advTm="4000">
         <p:fade/>
       </p:transition>
     </mc:Fallback>
@@ -11156,12 +14321,12 @@
   </p:clrMapOvr>
   <mc:AlternateContent xmlns:mc="http://schemas.openxmlformats.org/markup-compatibility/2006">
     <mc:Choice xmlns:p14="http://schemas.microsoft.com/office/powerpoint/2010/main" Requires="p14">
-      <p:transition spd="med" p14:dur="700">
+      <p:transition spd="med" p14:dur="700" advTm="5000">
         <p:fade/>
       </p:transition>
     </mc:Choice>
     <mc:Fallback>
-      <p:transition spd="med">
+      <p:transition spd="med" advTm="5000">
         <p:fade/>
       </p:transition>
     </mc:Fallback>
@@ -11634,7 +14799,7 @@
   <p:clrMapOvr>
     <a:masterClrMapping/>
   </p:clrMapOvr>
-  <p:transition spd="slow">
+  <p:transition spd="slow" advTm="4000">
     <p:cover/>
   </p:transition>
   <p:timing>
@@ -12279,7 +15444,7 @@
   <p:clrMapOvr>
     <a:masterClrMapping/>
   </p:clrMapOvr>
-  <p:transition spd="slow">
+  <p:transition spd="slow" advTm="4000">
     <p:push dir="u"/>
   </p:transition>
   <p:timing>
@@ -12623,12 +15788,12 @@
   </p:clrMapOvr>
   <mc:AlternateContent xmlns:mc="http://schemas.openxmlformats.org/markup-compatibility/2006">
     <mc:Choice xmlns:p14="http://schemas.microsoft.com/office/powerpoint/2010/main" Requires="p14">
-      <p:transition spd="slow" p14:dur="800">
+      <p:transition spd="slow" p14:dur="800" advTm="4000">
         <p:circle/>
       </p:transition>
     </mc:Choice>
     <mc:Fallback>
-      <p:transition spd="slow">
+      <p:transition spd="slow" advTm="4000">
         <p:circle/>
       </p:transition>
     </mc:Fallback>
@@ -12721,12 +15886,12 @@
   </p:clrMapOvr>
   <mc:AlternateContent xmlns:mc="http://schemas.openxmlformats.org/markup-compatibility/2006">
     <mc:Choice xmlns:p14="http://schemas.microsoft.com/office/powerpoint/2010/main" Requires="p14">
-      <p:transition spd="slow">
+      <p:transition spd="slow" advTm="4000">
         <p14:flash/>
       </p:transition>
     </mc:Choice>
     <mc:Fallback>
-      <p:transition spd="slow">
+      <p:transition spd="slow" advTm="4000">
         <p:fade/>
       </p:transition>
     </mc:Fallback>
@@ -13462,4 +16627,264 @@
     </a:ext>
   </a:extLst>
 </a:theme>
+</file>
+
+<file path=ppt/theme/theme3.xml><?xml version="1.0" encoding="utf-8"?>
+<a:theme xmlns:a="http://schemas.openxmlformats.org/drawingml/2006/main" name="2_Parcel">
+  <a:themeElements>
+    <a:clrScheme name="Parcel">
+      <a:dk1>
+        <a:srgbClr val="000000"/>
+      </a:dk1>
+      <a:lt1>
+        <a:sysClr val="window" lastClr="FFFFFF"/>
+      </a:lt1>
+      <a:dk2>
+        <a:srgbClr val="5E5E5E"/>
+      </a:dk2>
+      <a:lt2>
+        <a:srgbClr val="DDDDDD"/>
+      </a:lt2>
+      <a:accent1>
+        <a:srgbClr val="A6B727"/>
+      </a:accent1>
+      <a:accent2>
+        <a:srgbClr val="418AB3"/>
+      </a:accent2>
+      <a:accent3>
+        <a:srgbClr val="F69200"/>
+      </a:accent3>
+      <a:accent4>
+        <a:srgbClr val="838383"/>
+      </a:accent4>
+      <a:accent5>
+        <a:srgbClr val="FEC306"/>
+      </a:accent5>
+      <a:accent6>
+        <a:srgbClr val="DF5327"/>
+      </a:accent6>
+      <a:hlink>
+        <a:srgbClr val="F59E00"/>
+      </a:hlink>
+      <a:folHlink>
+        <a:srgbClr val="B2B2B2"/>
+      </a:folHlink>
+    </a:clrScheme>
+    <a:fontScheme name="Parcel">
+      <a:majorFont>
+        <a:latin typeface="Gill Sans MT" panose="020B0502020104020203"/>
+        <a:ea typeface=""/>
+        <a:cs typeface=""/>
+        <a:font script="Grek" typeface="Corbel"/>
+        <a:font script="Cyrl" typeface="Corbel"/>
+        <a:font script="Jpan" typeface="HGｺﾞｼｯｸE"/>
+        <a:font script="Hang" typeface="휴먼매직체"/>
+        <a:font script="Hans" typeface="华文中宋"/>
+        <a:font script="Hant" typeface="微軟正黑體"/>
+        <a:font script="Arab" typeface="Majalla UI"/>
+        <a:font script="Hebr" typeface="Arial"/>
+        <a:font script="Thai" typeface="Cordia New"/>
+        <a:font script="Ethi" typeface="Nyala"/>
+        <a:font script="Beng" typeface="Vrinda"/>
+        <a:font script="Gujr" typeface="Shruti"/>
+        <a:font script="Khmr" typeface="DaunPenh"/>
+        <a:font script="Knda" typeface="Tunga"/>
+        <a:font script="Guru" typeface="Raavi"/>
+        <a:font script="Cans" typeface="Euphemia"/>
+        <a:font script="Cher" typeface="Plantagenet Cherokee"/>
+        <a:font script="Yiii" typeface="Microsoft Yi Baiti"/>
+        <a:font script="Tibt" typeface="Microsoft Himalaya"/>
+        <a:font script="Thaa" typeface="MV Boli"/>
+        <a:font script="Deva" typeface="Mangal"/>
+        <a:font script="Telu" typeface="Gautami"/>
+        <a:font script="Taml" typeface="Latha"/>
+        <a:font script="Syrc" typeface="Estrangelo Edessa"/>
+        <a:font script="Orya" typeface="Kalinga"/>
+        <a:font script="Mlym" typeface="Kartika"/>
+        <a:font script="Laoo" typeface="DokChampa"/>
+        <a:font script="Sinh" typeface="Iskoola Pota"/>
+        <a:font script="Mong" typeface="Mongolian Baiti"/>
+        <a:font script="Viet" typeface="Tahoma"/>
+        <a:font script="Uigh" typeface="Microsoft Uighur"/>
+        <a:font script="Geor" typeface="Sylfaen"/>
+      </a:majorFont>
+      <a:minorFont>
+        <a:latin typeface="Gill Sans MT" panose="020B0502020104020203"/>
+        <a:ea typeface=""/>
+        <a:cs typeface=""/>
+        <a:font script="Grek" typeface="Corbel"/>
+        <a:font script="Cyrl" typeface="Corbel"/>
+        <a:font script="Jpan" typeface="HGｺﾞｼｯｸE"/>
+        <a:font script="Hang" typeface="휴먼매직체"/>
+        <a:font script="Hans" typeface="华文中宋"/>
+        <a:font script="Hant" typeface="微軟正黑體"/>
+        <a:font script="Arab" typeface="Majalla UI"/>
+        <a:font script="Hebr" typeface="Arial"/>
+        <a:font script="Thai" typeface="Cordia New"/>
+        <a:font script="Ethi" typeface="Nyala"/>
+        <a:font script="Beng" typeface="Vrinda"/>
+        <a:font script="Gujr" typeface="Shruti"/>
+        <a:font script="Khmr" typeface="DaunPenh"/>
+        <a:font script="Knda" typeface="Tunga"/>
+        <a:font script="Guru" typeface="Raavi"/>
+        <a:font script="Cans" typeface="Euphemia"/>
+        <a:font script="Cher" typeface="Plantagenet Cherokee"/>
+        <a:font script="Yiii" typeface="Microsoft Yi Baiti"/>
+        <a:font script="Tibt" typeface="Microsoft Himalaya"/>
+        <a:font script="Thaa" typeface="MV Boli"/>
+        <a:font script="Deva" typeface="Mangal"/>
+        <a:font script="Telu" typeface="Gautami"/>
+        <a:font script="Taml" typeface="Latha"/>
+        <a:font script="Syrc" typeface="Estrangelo Edessa"/>
+        <a:font script="Orya" typeface="Kalinga"/>
+        <a:font script="Mlym" typeface="Kartika"/>
+        <a:font script="Laoo" typeface="DokChampa"/>
+        <a:font script="Sinh" typeface="Iskoola Pota"/>
+        <a:font script="Mong" typeface="Mongolian Baiti"/>
+        <a:font script="Viet" typeface="Tahoma"/>
+        <a:font script="Uigh" typeface="Microsoft Uighur"/>
+        <a:font script="Geor" typeface="Sylfaen"/>
+      </a:minorFont>
+    </a:fontScheme>
+    <a:fmtScheme name="Parcel">
+      <a:fillStyleLst>
+        <a:solidFill>
+          <a:schemeClr val="phClr"/>
+        </a:solidFill>
+        <a:gradFill rotWithShape="1">
+          <a:gsLst>
+            <a:gs pos="0">
+              <a:schemeClr val="phClr">
+                <a:tint val="80000"/>
+                <a:satMod val="107000"/>
+                <a:lumMod val="103000"/>
+              </a:schemeClr>
+            </a:gs>
+            <a:gs pos="100000">
+              <a:schemeClr val="phClr">
+                <a:tint val="82000"/>
+                <a:satMod val="109000"/>
+                <a:lumMod val="103000"/>
+              </a:schemeClr>
+            </a:gs>
+          </a:gsLst>
+          <a:lin ang="5400000" scaled="0"/>
+        </a:gradFill>
+        <a:gradFill rotWithShape="1">
+          <a:gsLst>
+            <a:gs pos="0">
+              <a:schemeClr val="phClr">
+                <a:tint val="97000"/>
+                <a:satMod val="100000"/>
+                <a:lumMod val="102000"/>
+              </a:schemeClr>
+            </a:gs>
+            <a:gs pos="50000">
+              <a:schemeClr val="phClr">
+                <a:shade val="100000"/>
+                <a:satMod val="103000"/>
+                <a:lumMod val="100000"/>
+              </a:schemeClr>
+            </a:gs>
+            <a:gs pos="100000">
+              <a:schemeClr val="phClr">
+                <a:shade val="93000"/>
+                <a:satMod val="110000"/>
+                <a:lumMod val="99000"/>
+              </a:schemeClr>
+            </a:gs>
+          </a:gsLst>
+          <a:lin ang="5400000" scaled="0"/>
+        </a:gradFill>
+      </a:fillStyleLst>
+      <a:lnStyleLst>
+        <a:ln w="6350" cap="flat" cmpd="sng" algn="ctr">
+          <a:solidFill>
+            <a:schemeClr val="phClr"/>
+          </a:solidFill>
+          <a:prstDash val="solid"/>
+        </a:ln>
+        <a:ln w="12700" cap="flat" cmpd="sng" algn="ctr">
+          <a:solidFill>
+            <a:schemeClr val="phClr"/>
+          </a:solidFill>
+          <a:prstDash val="solid"/>
+        </a:ln>
+        <a:ln w="31750" cap="flat" cmpd="sng" algn="ctr">
+          <a:solidFill>
+            <a:schemeClr val="phClr"/>
+          </a:solidFill>
+          <a:prstDash val="solid"/>
+        </a:ln>
+      </a:lnStyleLst>
+      <a:effectStyleLst>
+        <a:effectStyle>
+          <a:effectLst/>
+        </a:effectStyle>
+        <a:effectStyle>
+          <a:effectLst/>
+        </a:effectStyle>
+        <a:effectStyle>
+          <a:effectLst>
+            <a:outerShdw blurRad="55880" dist="15240" dir="5400000" algn="ctr" rotWithShape="0">
+              <a:srgbClr val="000000">
+                <a:alpha val="45000"/>
+              </a:srgbClr>
+            </a:outerShdw>
+          </a:effectLst>
+          <a:scene3d>
+            <a:camera prst="orthographicFront">
+              <a:rot lat="0" lon="0" rev="0"/>
+            </a:camera>
+            <a:lightRig rig="brightRoom" dir="tl"/>
+          </a:scene3d>
+          <a:sp3d prstMaterial="dkEdge">
+            <a:bevelT w="0" h="0"/>
+          </a:sp3d>
+        </a:effectStyle>
+      </a:effectStyleLst>
+      <a:bgFillStyleLst>
+        <a:solidFill>
+          <a:schemeClr val="phClr"/>
+        </a:solidFill>
+        <a:solidFill>
+          <a:schemeClr val="phClr">
+            <a:tint val="95000"/>
+            <a:satMod val="170000"/>
+          </a:schemeClr>
+        </a:solidFill>
+        <a:gradFill rotWithShape="1">
+          <a:gsLst>
+            <a:gs pos="0">
+              <a:schemeClr val="phClr">
+                <a:tint val="97000"/>
+                <a:shade val="100000"/>
+                <a:satMod val="185000"/>
+                <a:lumMod val="120000"/>
+              </a:schemeClr>
+            </a:gs>
+            <a:gs pos="100000">
+              <a:schemeClr val="phClr">
+                <a:tint val="96000"/>
+                <a:shade val="95000"/>
+                <a:satMod val="215000"/>
+                <a:lumMod val="80000"/>
+              </a:schemeClr>
+            </a:gs>
+          </a:gsLst>
+          <a:path path="circle">
+            <a:fillToRect l="50000" t="55000" r="125000" b="100000"/>
+          </a:path>
+        </a:gradFill>
+      </a:bgFillStyleLst>
+    </a:fmtScheme>
+  </a:themeElements>
+  <a:objectDefaults/>
+  <a:extraClrSchemeLst/>
+  <a:extLst>
+    <a:ext uri="{05A4C25C-085E-4340-85A3-A5531E510DB2}">
+      <thm15:themeFamily xmlns:thm15="http://schemas.microsoft.com/office/thememl/2012/main" name="Parcel" id="{8BEC4385-4EB9-4D53-BFB5-0EA123736B6D}" vid="{A425FB89-E954-4A2A-81DC-D90804A94DBA}"/>
+    </a:ext>
+  </a:extLst>
+</a:theme>
 </file>